--- a/Poster.pptx
+++ b/Poster.pptx
@@ -243,7 +243,7 @@
           <a:p>
             <a:fld id="{1D7E0F8F-1D60-4E53-9BC4-AC3FDE10C5A0}" type="datetimeFigureOut">
               <a:rPr lang="en-US" smtClean="0"/>
-              <a:t>3/30/2021</a:t>
+              <a:t>5/3/2021</a:t>
             </a:fld>
             <a:endParaRPr lang="en-US"/>
           </a:p>
@@ -413,7 +413,7 @@
           <a:p>
             <a:fld id="{1D7E0F8F-1D60-4E53-9BC4-AC3FDE10C5A0}" type="datetimeFigureOut">
               <a:rPr lang="en-US" smtClean="0"/>
-              <a:t>3/30/2021</a:t>
+              <a:t>5/3/2021</a:t>
             </a:fld>
             <a:endParaRPr lang="en-US"/>
           </a:p>
@@ -593,7 +593,7 @@
           <a:p>
             <a:fld id="{1D7E0F8F-1D60-4E53-9BC4-AC3FDE10C5A0}" type="datetimeFigureOut">
               <a:rPr lang="en-US" smtClean="0"/>
-              <a:t>3/30/2021</a:t>
+              <a:t>5/3/2021</a:t>
             </a:fld>
             <a:endParaRPr lang="en-US"/>
           </a:p>
@@ -763,7 +763,7 @@
           <a:p>
             <a:fld id="{1D7E0F8F-1D60-4E53-9BC4-AC3FDE10C5A0}" type="datetimeFigureOut">
               <a:rPr lang="en-US" smtClean="0"/>
-              <a:t>3/30/2021</a:t>
+              <a:t>5/3/2021</a:t>
             </a:fld>
             <a:endParaRPr lang="en-US"/>
           </a:p>
@@ -1007,7 +1007,7 @@
           <a:p>
             <a:fld id="{1D7E0F8F-1D60-4E53-9BC4-AC3FDE10C5A0}" type="datetimeFigureOut">
               <a:rPr lang="en-US" smtClean="0"/>
-              <a:t>3/30/2021</a:t>
+              <a:t>5/3/2021</a:t>
             </a:fld>
             <a:endParaRPr lang="en-US"/>
           </a:p>
@@ -1239,7 +1239,7 @@
           <a:p>
             <a:fld id="{1D7E0F8F-1D60-4E53-9BC4-AC3FDE10C5A0}" type="datetimeFigureOut">
               <a:rPr lang="en-US" smtClean="0"/>
-              <a:t>3/30/2021</a:t>
+              <a:t>5/3/2021</a:t>
             </a:fld>
             <a:endParaRPr lang="en-US"/>
           </a:p>
@@ -1606,7 +1606,7 @@
           <a:p>
             <a:fld id="{1D7E0F8F-1D60-4E53-9BC4-AC3FDE10C5A0}" type="datetimeFigureOut">
               <a:rPr lang="en-US" smtClean="0"/>
-              <a:t>3/30/2021</a:t>
+              <a:t>5/3/2021</a:t>
             </a:fld>
             <a:endParaRPr lang="en-US"/>
           </a:p>
@@ -1724,7 +1724,7 @@
           <a:p>
             <a:fld id="{1D7E0F8F-1D60-4E53-9BC4-AC3FDE10C5A0}" type="datetimeFigureOut">
               <a:rPr lang="en-US" smtClean="0"/>
-              <a:t>3/30/2021</a:t>
+              <a:t>5/3/2021</a:t>
             </a:fld>
             <a:endParaRPr lang="en-US"/>
           </a:p>
@@ -1819,7 +1819,7 @@
           <a:p>
             <a:fld id="{1D7E0F8F-1D60-4E53-9BC4-AC3FDE10C5A0}" type="datetimeFigureOut">
               <a:rPr lang="en-US" smtClean="0"/>
-              <a:t>3/30/2021</a:t>
+              <a:t>5/3/2021</a:t>
             </a:fld>
             <a:endParaRPr lang="en-US"/>
           </a:p>
@@ -2096,7 +2096,7 @@
           <a:p>
             <a:fld id="{1D7E0F8F-1D60-4E53-9BC4-AC3FDE10C5A0}" type="datetimeFigureOut">
               <a:rPr lang="en-US" smtClean="0"/>
-              <a:t>3/30/2021</a:t>
+              <a:t>5/3/2021</a:t>
             </a:fld>
             <a:endParaRPr lang="en-US"/>
           </a:p>
@@ -2353,7 +2353,7 @@
           <a:p>
             <a:fld id="{1D7E0F8F-1D60-4E53-9BC4-AC3FDE10C5A0}" type="datetimeFigureOut">
               <a:rPr lang="en-US" smtClean="0"/>
-              <a:t>3/30/2021</a:t>
+              <a:t>5/3/2021</a:t>
             </a:fld>
             <a:endParaRPr lang="en-US"/>
           </a:p>
@@ -2566,7 +2566,7 @@
           <a:p>
             <a:fld id="{1D7E0F8F-1D60-4E53-9BC4-AC3FDE10C5A0}" type="datetimeFigureOut">
               <a:rPr lang="en-US" smtClean="0"/>
-              <a:t>3/30/2021</a:t>
+              <a:t>5/3/2021</a:t>
             </a:fld>
             <a:endParaRPr lang="en-US"/>
           </a:p>
@@ -2959,11 +2959,15 @@
   <p:cSld>
     <p:bg>
       <p:bgPr>
-        <a:solidFill>
-          <a:schemeClr val="bg1">
-            <a:lumMod val="85000"/>
-          </a:schemeClr>
-        </a:solidFill>
+        <a:blipFill dpi="0" rotWithShape="1">
+          <a:blip r:embed="rId2">
+            <a:lum/>
+          </a:blip>
+          <a:srcRect/>
+          <a:stretch>
+            <a:fillRect l="-75000" r="-75000"/>
+          </a:stretch>
+        </a:blipFill>
         <a:effectLst/>
       </p:bgPr>
     </p:bg>
@@ -2996,15 +3000,13 @@
         <p:spPr>
           <a:xfrm>
             <a:off x="0" y="0"/>
-            <a:ext cx="8686800" cy="1604295"/>
+            <a:ext cx="8686800" cy="1531953"/>
           </a:xfrm>
           <a:prstGeom prst="rect">
             <a:avLst/>
           </a:prstGeom>
           <a:solidFill>
-            <a:schemeClr val="bg1">
-              <a:lumMod val="95000"/>
-            </a:schemeClr>
+            <a:schemeClr val="bg1"/>
           </a:solidFill>
           <a:ln/>
         </p:spPr>
@@ -3045,14 +3047,14 @@
         </p:nvSpPr>
         <p:spPr>
           <a:xfrm>
-            <a:off x="2066869" y="116664"/>
+            <a:off x="2114167" y="37834"/>
             <a:ext cx="6585838" cy="756745"/>
           </a:xfrm>
           <a:prstGeom prst="rect">
             <a:avLst/>
           </a:prstGeom>
           <a:solidFill>
-            <a:srgbClr val="4267B2"/>
+            <a:srgbClr val="3F457D"/>
           </a:solidFill>
         </p:spPr>
         <p:style>
@@ -3078,7 +3080,14 @@
             <a:pPr algn="ctr"/>
             <a:r>
               <a:rPr lang="en-US" sz="2400" dirty="0"/>
-              <a:t>An Automatic and Visual Guide for Weather Prediction for the Ariel Observatory</a:t>
+              <a:t>Observatory Weather Control for</a:t>
+            </a:r>
+          </a:p>
+          <a:p>
+            <a:pPr algn="ctr"/>
+            <a:r>
+              <a:rPr lang="en-US" sz="2400" dirty="0"/>
+              <a:t>ACP Observatory Control Software</a:t>
             </a:r>
           </a:p>
         </p:txBody>
@@ -3097,8 +3106,8 @@
         </p:nvSpPr>
         <p:spPr>
           <a:xfrm>
-            <a:off x="425668" y="1642064"/>
-            <a:ext cx="7492365" cy="1336135"/>
+            <a:off x="614860" y="1642065"/>
+            <a:ext cx="7492365" cy="1188630"/>
           </a:xfrm>
           <a:prstGeom prst="roundRect">
             <a:avLst/>
@@ -3106,18 +3115,19 @@
           <a:gradFill flip="none" rotWithShape="1">
             <a:gsLst>
               <a:gs pos="0">
+                <a:srgbClr val="EAAE35"/>
+              </a:gs>
+              <a:gs pos="23000">
                 <a:schemeClr val="accent4">
-                  <a:lumMod val="67000"/>
+                  <a:lumMod val="60000"/>
+                  <a:lumOff val="40000"/>
                 </a:schemeClr>
               </a:gs>
-              <a:gs pos="48000">
+              <a:gs pos="75000">
                 <a:schemeClr val="accent4">
-                  <a:lumMod val="97000"/>
-                  <a:lumOff val="3000"/>
+                  <a:lumMod val="20000"/>
+                  <a:lumOff val="80000"/>
                 </a:schemeClr>
-              </a:gs>
-              <a:gs pos="100000">
-                <a:srgbClr val="FFFF00"/>
               </a:gs>
             </a:gsLst>
             <a:lin ang="16200000" scaled="1"/>
@@ -3162,7 +3172,7 @@
         </p:nvSpPr>
         <p:spPr>
           <a:xfrm>
-            <a:off x="576375" y="1654760"/>
+            <a:off x="765567" y="1654760"/>
             <a:ext cx="7190949" cy="1107996"/>
           </a:xfrm>
           <a:prstGeom prst="rect">
@@ -3214,12 +3224,17 @@
         </p:nvSpPr>
         <p:spPr>
           <a:xfrm>
-            <a:off x="3957227" y="3046136"/>
+            <a:off x="4130653" y="2983072"/>
             <a:ext cx="386173" cy="308298"/>
           </a:xfrm>
           <a:prstGeom prst="downArrow">
             <a:avLst/>
           </a:prstGeom>
+          <a:solidFill>
+            <a:schemeClr val="bg1">
+              <a:lumMod val="95000"/>
+            </a:schemeClr>
+          </a:solidFill>
         </p:spPr>
         <p:style>
           <a:lnRef idx="1">
@@ -3270,12 +3285,35 @@
         </p:nvSpPr>
         <p:spPr>
           <a:xfrm>
-            <a:off x="358292" y="8494244"/>
+            <a:off x="547484" y="8494244"/>
             <a:ext cx="7492365" cy="2316096"/>
           </a:xfrm>
           <a:prstGeom prst="roundRect">
             <a:avLst/>
           </a:prstGeom>
+          <a:gradFill>
+            <a:gsLst>
+              <a:gs pos="0">
+                <a:schemeClr val="accent5">
+                  <a:lumMod val="20000"/>
+                  <a:lumOff val="80000"/>
+                </a:schemeClr>
+              </a:gs>
+              <a:gs pos="45000">
+                <a:schemeClr val="accent5">
+                  <a:lumMod val="60000"/>
+                  <a:lumOff val="40000"/>
+                </a:schemeClr>
+              </a:gs>
+              <a:gs pos="92000">
+                <a:schemeClr val="accent5">
+                  <a:lumMod val="20000"/>
+                  <a:lumOff val="80000"/>
+                </a:schemeClr>
+              </a:gs>
+            </a:gsLst>
+            <a:lin ang="16200000" scaled="1"/>
+          </a:gradFill>
           <a:ln>
             <a:noFill/>
           </a:ln>
@@ -3317,8 +3355,8 @@
         </p:nvSpPr>
         <p:spPr>
           <a:xfrm>
-            <a:off x="520851" y="8492448"/>
-            <a:ext cx="7190949" cy="369332"/>
+            <a:off x="694423" y="8475036"/>
+            <a:ext cx="7190949" cy="523220"/>
           </a:xfrm>
           <a:prstGeom prst="rect">
             <a:avLst/>
@@ -3336,11 +3374,9 @@
           <a:p>
             <a:pPr algn="ctr"/>
             <a:r>
-              <a:rPr lang="en-US" b="1" dirty="0">
+              <a:rPr lang="en-US" sz="2800" b="1" dirty="0">
                 <a:solidFill>
-                  <a:schemeClr val="bg1">
-                    <a:lumMod val="95000"/>
-                  </a:schemeClr>
+                  <a:srgbClr val="FF0000"/>
                 </a:solidFill>
                 <a:effectLst>
                   <a:outerShdw blurRad="38100" dist="38100" dir="2700000" algn="tl">
@@ -3351,102 +3387,6 @@
                 </a:effectLst>
               </a:rPr>
               <a:t>Results</a:t>
-            </a:r>
-          </a:p>
-        </p:txBody>
-      </p:sp>
-      <p:sp>
-        <p:nvSpPr>
-          <p:cNvPr id="23" name="מלבן: פינות מעוגלות 22">
-            <a:extLst>
-              <a:ext uri="{FF2B5EF4-FFF2-40B4-BE49-F238E27FC236}">
-                <a16:creationId xmlns:a16="http://schemas.microsoft.com/office/drawing/2014/main" id="{5A3A6C51-3F56-4636-B6C6-6F5CFCE564A1}"/>
-              </a:ext>
-            </a:extLst>
-          </p:cNvPr>
-          <p:cNvSpPr/>
-          <p:nvPr/>
-        </p:nvSpPr>
-        <p:spPr>
-          <a:xfrm>
-            <a:off x="290915" y="11003280"/>
-            <a:ext cx="2665919" cy="1088406"/>
-          </a:xfrm>
-          <a:prstGeom prst="roundRect">
-            <a:avLst/>
-          </a:prstGeom>
-          <a:ln/>
-        </p:spPr>
-        <p:style>
-          <a:lnRef idx="3">
-            <a:schemeClr val="lt1"/>
-          </a:lnRef>
-          <a:fillRef idx="1">
-            <a:schemeClr val="accent3"/>
-          </a:fillRef>
-          <a:effectRef idx="1">
-            <a:schemeClr val="accent3"/>
-          </a:effectRef>
-          <a:fontRef idx="minor">
-            <a:schemeClr val="lt1"/>
-          </a:fontRef>
-        </p:style>
-        <p:txBody>
-          <a:bodyPr rtlCol="0" anchor="ctr"/>
-          <a:lstStyle/>
-          <a:p>
-            <a:pPr algn="ctr"/>
-            <a:r>
-              <a:rPr lang="en-US" sz="1600" dirty="0"/>
-              <a:t>https://github.com/shilogilor90work/ariel_observatory</a:t>
-            </a:r>
-          </a:p>
-        </p:txBody>
-      </p:sp>
-      <p:sp>
-        <p:nvSpPr>
-          <p:cNvPr id="24" name="מלבן: פינות מעוגלות 23">
-            <a:extLst>
-              <a:ext uri="{FF2B5EF4-FFF2-40B4-BE49-F238E27FC236}">
-                <a16:creationId xmlns:a16="http://schemas.microsoft.com/office/drawing/2014/main" id="{60295BB1-D2C6-46FE-A81E-B48EF3D51BEF}"/>
-              </a:ext>
-            </a:extLst>
-          </p:cNvPr>
-          <p:cNvSpPr/>
-          <p:nvPr/>
-        </p:nvSpPr>
-        <p:spPr>
-          <a:xfrm>
-            <a:off x="5800614" y="11003279"/>
-            <a:ext cx="2117418" cy="1088406"/>
-          </a:xfrm>
-          <a:prstGeom prst="roundRect">
-            <a:avLst/>
-          </a:prstGeom>
-          <a:ln/>
-        </p:spPr>
-        <p:style>
-          <a:lnRef idx="3">
-            <a:schemeClr val="lt1"/>
-          </a:lnRef>
-          <a:fillRef idx="1">
-            <a:schemeClr val="accent3"/>
-          </a:fillRef>
-          <a:effectRef idx="1">
-            <a:schemeClr val="accent3"/>
-          </a:effectRef>
-          <a:fontRef idx="minor">
-            <a:schemeClr val="lt1"/>
-          </a:fontRef>
-        </p:style>
-        <p:txBody>
-          <a:bodyPr rtlCol="0" anchor="ctr"/>
-          <a:lstStyle/>
-          <a:p>
-            <a:pPr algn="ctr"/>
-            <a:r>
-              <a:rPr lang="en-US" sz="1600" dirty="0"/>
-              <a:t>http://00.00.00.00/weather</a:t>
             </a:r>
           </a:p>
         </p:txBody>
@@ -3466,7 +3406,7 @@
           <p:nvPr/>
         </p:nvPicPr>
         <p:blipFill>
-          <a:blip r:embed="rId2">
+          <a:blip r:embed="rId3">
             <a:extLst>
               <a:ext uri="{28A0092B-C50C-407E-A947-70E740481C1C}">
                 <a14:useLocalDpi xmlns:a14="http://schemas.microsoft.com/office/drawing/2010/main" val="0"/>
@@ -3479,7 +3419,7 @@
         </p:blipFill>
         <p:spPr>
           <a:xfrm>
-            <a:off x="2956834" y="8901172"/>
+            <a:off x="3177558" y="8901172"/>
             <a:ext cx="2430030" cy="1820294"/>
           </a:xfrm>
           <a:prstGeom prst="rect">
@@ -3501,8 +3441,8 @@
         </p:nvSpPr>
         <p:spPr>
           <a:xfrm>
-            <a:off x="-1988581" y="11014690"/>
-            <a:ext cx="7190949" cy="369332"/>
+            <a:off x="220717" y="10951626"/>
+            <a:ext cx="2585545" cy="1477328"/>
           </a:xfrm>
           <a:prstGeom prst="rect">
             <a:avLst/>
@@ -3536,6 +3476,27 @@
               </a:rPr>
               <a:t> Link:</a:t>
             </a:r>
+          </a:p>
+          <a:p>
+            <a:pPr algn="ctr"/>
+            <a:r>
+              <a:rPr lang="en-US" sz="1800" dirty="0">
+                <a:solidFill>
+                  <a:schemeClr val="bg1"/>
+                </a:solidFill>
+              </a:rPr>
+              <a:t>https://github.com/shilogilor90work/ariel_observatory</a:t>
+            </a:r>
+          </a:p>
+          <a:p>
+            <a:pPr algn="ctr"/>
+            <a:endParaRPr lang="en-US" b="1" dirty="0">
+              <a:solidFill>
+                <a:schemeClr val="bg1">
+                  <a:lumMod val="95000"/>
+                </a:schemeClr>
+              </a:solidFill>
+            </a:endParaRPr>
           </a:p>
         </p:txBody>
       </p:sp>
@@ -3553,8 +3514,8 @@
         </p:nvSpPr>
         <p:spPr>
           <a:xfrm>
-            <a:off x="3265659" y="11025782"/>
-            <a:ext cx="7190949" cy="369332"/>
+            <a:off x="6091720" y="11020097"/>
+            <a:ext cx="2043296" cy="923330"/>
           </a:xfrm>
           <a:prstGeom prst="rect">
             <a:avLst/>
@@ -3571,301 +3532,39 @@
             <a:r>
               <a:rPr lang="en-US" b="1" dirty="0">
                 <a:solidFill>
-                  <a:schemeClr val="bg1">
-                    <a:lumMod val="95000"/>
-                  </a:schemeClr>
+                  <a:schemeClr val="bg1"/>
                 </a:solidFill>
               </a:rPr>
               <a:t>Weather Link:</a:t>
             </a:r>
           </a:p>
-        </p:txBody>
-      </p:sp>
-      <p:pic>
-        <p:nvPicPr>
-          <p:cNvPr id="5" name="Picture 4">
+          <a:p>
+            <a:pPr algn="ctr"/>
+            <a:r>
+              <a:rPr lang="en-US" sz="1800" dirty="0">
+                <a:solidFill>
+                  <a:schemeClr val="bg1"/>
+                </a:solidFill>
+              </a:rPr>
+              <a:t>http://3.15.42.218/</a:t>
+            </a:r>
+          </a:p>
+          <a:p>
+            <a:pPr algn="ctr"/>
+            <a:endParaRPr lang="en-US" b="1" dirty="0">
+              <a:solidFill>
+                <a:schemeClr val="bg1"/>
+              </a:solidFill>
+            </a:endParaRPr>
+          </a:p>
+        </p:txBody>
+      </p:sp>
+      <p:sp>
+        <p:nvSpPr>
+          <p:cNvPr id="36" name="חץ: למטה 9">
             <a:extLst>
               <a:ext uri="{FF2B5EF4-FFF2-40B4-BE49-F238E27FC236}">
-                <a16:creationId xmlns:a16="http://schemas.microsoft.com/office/drawing/2014/main" id="{116C5A21-436E-46C7-85DD-F0A8694EB8D6}"/>
-              </a:ext>
-            </a:extLst>
-          </p:cNvPr>
-          <p:cNvPicPr>
-            <a:picLocks noChangeAspect="1"/>
-          </p:cNvPicPr>
-          <p:nvPr/>
-        </p:nvPicPr>
-        <p:blipFill>
-          <a:blip r:embed="rId3"/>
-          <a:stretch>
-            <a:fillRect/>
-          </a:stretch>
-        </p:blipFill>
-        <p:spPr>
-          <a:xfrm>
-            <a:off x="472966" y="8893312"/>
-            <a:ext cx="2346588" cy="1820294"/>
-          </a:xfrm>
-          <a:prstGeom prst="rect">
-            <a:avLst/>
-          </a:prstGeom>
-        </p:spPr>
-      </p:pic>
-      <p:pic>
-        <p:nvPicPr>
-          <p:cNvPr id="1026" name="Picture 2" descr="Using Red Yellow Green Performance Indicators Examples That Are SMART">
-            <a:extLst>
-              <a:ext uri="{FF2B5EF4-FFF2-40B4-BE49-F238E27FC236}">
-                <a16:creationId xmlns:a16="http://schemas.microsoft.com/office/drawing/2014/main" id="{956E2191-96AE-4C6B-9B39-AA432CB45B9F}"/>
-              </a:ext>
-            </a:extLst>
-          </p:cNvPr>
-          <p:cNvPicPr>
-            <a:picLocks noChangeAspect="1" noChangeArrowheads="1"/>
-          </p:cNvPicPr>
-          <p:nvPr/>
-        </p:nvPicPr>
-        <p:blipFill>
-          <a:blip r:embed="rId4">
-            <a:extLst>
-              <a:ext uri="{28A0092B-C50C-407E-A947-70E740481C1C}">
-                <a14:useLocalDpi xmlns:a14="http://schemas.microsoft.com/office/drawing/2010/main" val="0"/>
-              </a:ext>
-            </a:extLst>
-          </a:blip>
-          <a:srcRect/>
-          <a:stretch>
-            <a:fillRect/>
-          </a:stretch>
-        </p:blipFill>
-        <p:spPr bwMode="auto">
-          <a:xfrm>
-            <a:off x="5508379" y="8872872"/>
-            <a:ext cx="2187656" cy="1820718"/>
-          </a:xfrm>
-          <a:prstGeom prst="rect">
-            <a:avLst/>
-          </a:prstGeom>
-          <a:noFill/>
-          <a:extLst>
-            <a:ext uri="{909E8E84-426E-40DD-AFC4-6F175D3DCCD1}">
-              <a14:hiddenFill xmlns:a14="http://schemas.microsoft.com/office/drawing/2010/main">
-                <a:solidFill>
-                  <a:srgbClr val="FFFFFF"/>
-                </a:solidFill>
-              </a14:hiddenFill>
-            </a:ext>
-          </a:extLst>
-        </p:spPr>
-      </p:pic>
-      <p:grpSp>
-        <p:nvGrpSpPr>
-          <p:cNvPr id="19" name="Group 18">
-            <a:extLst>
-              <a:ext uri="{FF2B5EF4-FFF2-40B4-BE49-F238E27FC236}">
-                <a16:creationId xmlns:a16="http://schemas.microsoft.com/office/drawing/2014/main" id="{C753DC9C-B61C-4AF4-A2FA-7F78CF3717D6}"/>
-              </a:ext>
-            </a:extLst>
-          </p:cNvPr>
-          <p:cNvGrpSpPr/>
-          <p:nvPr/>
-        </p:nvGrpSpPr>
-        <p:grpSpPr>
-          <a:xfrm>
-            <a:off x="425668" y="3364322"/>
-            <a:ext cx="7492365" cy="1773330"/>
-            <a:chOff x="425668" y="3653744"/>
-            <a:chExt cx="7492365" cy="1773330"/>
-          </a:xfrm>
-        </p:grpSpPr>
-        <p:sp>
-          <p:nvSpPr>
-            <p:cNvPr id="28" name="מלבן: פינות מעוגלות 7">
-              <a:extLst>
-                <a:ext uri="{FF2B5EF4-FFF2-40B4-BE49-F238E27FC236}">
-                  <a16:creationId xmlns:a16="http://schemas.microsoft.com/office/drawing/2014/main" id="{62903E62-F57D-4F1C-A1B3-AF6FD0EC4627}"/>
-                </a:ext>
-              </a:extLst>
-            </p:cNvPr>
-            <p:cNvSpPr/>
-            <p:nvPr/>
-          </p:nvSpPr>
-          <p:spPr>
-            <a:xfrm>
-              <a:off x="425668" y="3653744"/>
-              <a:ext cx="7492365" cy="1404072"/>
-            </a:xfrm>
-            <a:prstGeom prst="roundRect">
-              <a:avLst/>
-            </a:prstGeom>
-            <a:gradFill flip="none" rotWithShape="1">
-              <a:gsLst>
-                <a:gs pos="0">
-                  <a:schemeClr val="accent4">
-                    <a:lumMod val="67000"/>
-                  </a:schemeClr>
-                </a:gs>
-                <a:gs pos="48000">
-                  <a:schemeClr val="accent4">
-                    <a:lumMod val="97000"/>
-                    <a:lumOff val="3000"/>
-                  </a:schemeClr>
-                </a:gs>
-                <a:gs pos="100000">
-                  <a:srgbClr val="FFFF00"/>
-                </a:gs>
-              </a:gsLst>
-              <a:lin ang="16200000" scaled="1"/>
-              <a:tileRect/>
-            </a:gradFill>
-            <a:ln/>
-          </p:spPr>
-          <p:style>
-            <a:lnRef idx="0">
-              <a:schemeClr val="accent3"/>
-            </a:lnRef>
-            <a:fillRef idx="3">
-              <a:schemeClr val="accent3"/>
-            </a:fillRef>
-            <a:effectRef idx="3">
-              <a:schemeClr val="accent3"/>
-            </a:effectRef>
-            <a:fontRef idx="minor">
-              <a:schemeClr val="lt1"/>
-            </a:fontRef>
-          </p:style>
-          <p:txBody>
-            <a:bodyPr rtlCol="0" anchor="ctr"/>
-            <a:lstStyle/>
-            <a:p>
-              <a:pPr algn="ctr"/>
-              <a:endParaRPr lang="en-US"/>
-            </a:p>
-          </p:txBody>
-        </p:sp>
-        <p:sp>
-          <p:nvSpPr>
-            <p:cNvPr id="29" name="תיבת טקסט 8">
-              <a:extLst>
-                <a:ext uri="{FF2B5EF4-FFF2-40B4-BE49-F238E27FC236}">
-                  <a16:creationId xmlns:a16="http://schemas.microsoft.com/office/drawing/2014/main" id="{6D1FE957-B6EC-4E64-843E-6AB9B3FF2D05}"/>
-                </a:ext>
-              </a:extLst>
-            </p:cNvPr>
-            <p:cNvSpPr txBox="1"/>
-            <p:nvPr/>
-          </p:nvSpPr>
-          <p:spPr>
-            <a:xfrm>
-              <a:off x="576375" y="3666440"/>
-              <a:ext cx="7190949" cy="1477328"/>
-            </a:xfrm>
-            <a:prstGeom prst="rect">
-              <a:avLst/>
-            </a:prstGeom>
-            <a:noFill/>
-          </p:spPr>
-          <p:txBody>
-            <a:bodyPr wrap="square" rtlCol="0">
-              <a:spAutoFit/>
-            </a:bodyPr>
-            <a:lstStyle/>
-            <a:p>
-              <a:pPr algn="ctr"/>
-              <a:r>
-                <a:rPr lang="en-US" b="1" dirty="0">
-                  <a:ln w="0"/>
-                  <a:effectLst>
-                    <a:outerShdw blurRad="38100" dist="19050" dir="2700000" algn="tl" rotWithShape="0">
-                      <a:schemeClr val="dk1">
-                        <a:alpha val="40000"/>
-                      </a:schemeClr>
-                    </a:outerShdw>
-                  </a:effectLst>
-                </a:rPr>
-                <a:t>Introduction</a:t>
-              </a:r>
-            </a:p>
-            <a:p>
-              <a:pPr algn="ctr"/>
-              <a:r>
-                <a:rPr lang="en-US" sz="1800" dirty="0"/>
-                <a:t>Ariel University has an Observatory, that is run nowadays manually, while wants to have a safety system that can control when the Observatory can and can not be used </a:t>
-              </a:r>
-              <a:endParaRPr lang="en-IL" sz="1800" dirty="0"/>
-            </a:p>
-            <a:p>
-              <a:pPr marL="457200"/>
-              <a:r>
-                <a:rPr lang="en-IL" sz="1800" dirty="0"/>
-                <a:t> </a:t>
-              </a:r>
-            </a:p>
-          </p:txBody>
-        </p:sp>
-        <p:sp>
-          <p:nvSpPr>
-            <p:cNvPr id="30" name="חץ: למטה 9">
-              <a:extLst>
-                <a:ext uri="{FF2B5EF4-FFF2-40B4-BE49-F238E27FC236}">
-                  <a16:creationId xmlns:a16="http://schemas.microsoft.com/office/drawing/2014/main" id="{7F8ED523-964D-43E6-AF1D-B82BAC950706}"/>
-                </a:ext>
-              </a:extLst>
-            </p:cNvPr>
-            <p:cNvSpPr/>
-            <p:nvPr/>
-          </p:nvSpPr>
-          <p:spPr>
-            <a:xfrm>
-              <a:off x="3957227" y="5118776"/>
-              <a:ext cx="386173" cy="308298"/>
-            </a:xfrm>
-            <a:prstGeom prst="downArrow">
-              <a:avLst/>
-            </a:prstGeom>
-          </p:spPr>
-          <p:style>
-            <a:lnRef idx="1">
-              <a:schemeClr val="dk1"/>
-            </a:lnRef>
-            <a:fillRef idx="3">
-              <a:schemeClr val="dk1"/>
-            </a:fillRef>
-            <a:effectRef idx="2">
-              <a:schemeClr val="dk1"/>
-            </a:effectRef>
-            <a:fontRef idx="minor">
-              <a:schemeClr val="lt1"/>
-            </a:fontRef>
-          </p:style>
-          <p:txBody>
-            <a:bodyPr rtlCol="0" anchor="ctr"/>
-            <a:lstStyle/>
-            <a:p>
-              <a:pPr algn="ctr"/>
-              <a:endParaRPr lang="en-US">
-                <a:ln w="0"/>
-                <a:solidFill>
-                  <a:schemeClr val="tx1"/>
-                </a:solidFill>
-                <a:effectLst>
-                  <a:outerShdw blurRad="38100" dist="19050" dir="2700000" algn="tl" rotWithShape="0">
-                    <a:schemeClr val="dk1">
-                      <a:alpha val="40000"/>
-                    </a:schemeClr>
-                  </a:outerShdw>
-                </a:effectLst>
-              </a:endParaRPr>
-            </a:p>
-          </p:txBody>
-        </p:sp>
-      </p:grpSp>
-      <p:sp>
-        <p:nvSpPr>
-          <p:cNvPr id="31" name="חץ: למטה 9">
-            <a:extLst>
-              <a:ext uri="{FF2B5EF4-FFF2-40B4-BE49-F238E27FC236}">
-                <a16:creationId xmlns:a16="http://schemas.microsoft.com/office/drawing/2014/main" id="{6119824E-D014-4716-807C-CD4D5B298D45}"/>
+                <a16:creationId xmlns:a16="http://schemas.microsoft.com/office/drawing/2014/main" id="{4962F475-1360-4E21-8F5D-8F05989AEF8A}"/>
               </a:ext>
             </a:extLst>
           </p:cNvPr>
@@ -3874,12 +3573,17 @@
         </p:nvSpPr>
         <p:spPr>
           <a:xfrm>
-            <a:off x="3957227" y="8090576"/>
+            <a:off x="4128196" y="6564805"/>
             <a:ext cx="386173" cy="308298"/>
           </a:xfrm>
           <a:prstGeom prst="downArrow">
             <a:avLst/>
           </a:prstGeom>
+          <a:solidFill>
+            <a:schemeClr val="bg1">
+              <a:lumMod val="95000"/>
+            </a:schemeClr>
+          </a:solidFill>
         </p:spPr>
         <p:style>
           <a:lnRef idx="1">
@@ -3913,381 +3617,6 @@
                 </a:outerShdw>
               </a:effectLst>
             </a:endParaRPr>
-          </a:p>
-        </p:txBody>
-      </p:sp>
-      <p:grpSp>
-        <p:nvGrpSpPr>
-          <p:cNvPr id="33" name="Group 32">
-            <a:extLst>
-              <a:ext uri="{FF2B5EF4-FFF2-40B4-BE49-F238E27FC236}">
-                <a16:creationId xmlns:a16="http://schemas.microsoft.com/office/drawing/2014/main" id="{3EF91AE2-9FB5-4120-BFE6-B204247E236F}"/>
-              </a:ext>
-            </a:extLst>
-          </p:cNvPr>
-          <p:cNvGrpSpPr/>
-          <p:nvPr/>
-        </p:nvGrpSpPr>
-        <p:grpSpPr>
-          <a:xfrm>
-            <a:off x="395188" y="5162504"/>
-            <a:ext cx="7492365" cy="1773330"/>
-            <a:chOff x="425668" y="3653744"/>
-            <a:chExt cx="7492365" cy="1773330"/>
-          </a:xfrm>
-        </p:grpSpPr>
-        <p:sp>
-          <p:nvSpPr>
-            <p:cNvPr id="34" name="מלבן: פינות מעוגלות 7">
-              <a:extLst>
-                <a:ext uri="{FF2B5EF4-FFF2-40B4-BE49-F238E27FC236}">
-                  <a16:creationId xmlns:a16="http://schemas.microsoft.com/office/drawing/2014/main" id="{066F79DC-A013-4C2E-B0F6-D7D59004FD38}"/>
-                </a:ext>
-              </a:extLst>
-            </p:cNvPr>
-            <p:cNvSpPr/>
-            <p:nvPr/>
-          </p:nvSpPr>
-          <p:spPr>
-            <a:xfrm>
-              <a:off x="425668" y="3653744"/>
-              <a:ext cx="7492365" cy="1404072"/>
-            </a:xfrm>
-            <a:prstGeom prst="roundRect">
-              <a:avLst/>
-            </a:prstGeom>
-            <a:gradFill flip="none" rotWithShape="1">
-              <a:gsLst>
-                <a:gs pos="0">
-                  <a:schemeClr val="accent4">
-                    <a:lumMod val="67000"/>
-                  </a:schemeClr>
-                </a:gs>
-                <a:gs pos="48000">
-                  <a:schemeClr val="accent4">
-                    <a:lumMod val="97000"/>
-                    <a:lumOff val="3000"/>
-                  </a:schemeClr>
-                </a:gs>
-                <a:gs pos="100000">
-                  <a:srgbClr val="FFFF00"/>
-                </a:gs>
-              </a:gsLst>
-              <a:lin ang="16200000" scaled="1"/>
-              <a:tileRect/>
-            </a:gradFill>
-            <a:ln/>
-          </p:spPr>
-          <p:style>
-            <a:lnRef idx="0">
-              <a:schemeClr val="accent3"/>
-            </a:lnRef>
-            <a:fillRef idx="3">
-              <a:schemeClr val="accent3"/>
-            </a:fillRef>
-            <a:effectRef idx="3">
-              <a:schemeClr val="accent3"/>
-            </a:effectRef>
-            <a:fontRef idx="minor">
-              <a:schemeClr val="lt1"/>
-            </a:fontRef>
-          </p:style>
-          <p:txBody>
-            <a:bodyPr rtlCol="0" anchor="ctr"/>
-            <a:lstStyle/>
-            <a:p>
-              <a:pPr algn="ctr"/>
-              <a:endParaRPr lang="en-US"/>
-            </a:p>
-          </p:txBody>
-        </p:sp>
-        <p:sp>
-          <p:nvSpPr>
-            <p:cNvPr id="35" name="תיבת טקסט 8">
-              <a:extLst>
-                <a:ext uri="{FF2B5EF4-FFF2-40B4-BE49-F238E27FC236}">
-                  <a16:creationId xmlns:a16="http://schemas.microsoft.com/office/drawing/2014/main" id="{AAC13020-1D2E-4F28-B903-A9342F207025}"/>
-                </a:ext>
-              </a:extLst>
-            </p:cNvPr>
-            <p:cNvSpPr txBox="1"/>
-            <p:nvPr/>
-          </p:nvSpPr>
-          <p:spPr>
-            <a:xfrm>
-              <a:off x="576375" y="3666440"/>
-              <a:ext cx="7190949" cy="1754326"/>
-            </a:xfrm>
-            <a:prstGeom prst="rect">
-              <a:avLst/>
-            </a:prstGeom>
-            <a:noFill/>
-          </p:spPr>
-          <p:txBody>
-            <a:bodyPr wrap="square" rtlCol="0">
-              <a:spAutoFit/>
-            </a:bodyPr>
-            <a:lstStyle/>
-            <a:p>
-              <a:pPr algn="ctr"/>
-              <a:r>
-                <a:rPr lang="en-US" b="1" dirty="0">
-                  <a:ln w="0"/>
-                  <a:effectLst>
-                    <a:outerShdw blurRad="38100" dist="19050" dir="2700000" algn="tl" rotWithShape="0">
-                      <a:schemeClr val="dk1">
-                        <a:alpha val="40000"/>
-                      </a:schemeClr>
-                    </a:outerShdw>
-                  </a:effectLst>
-                </a:rPr>
-                <a:t>Methods</a:t>
-              </a:r>
-            </a:p>
-            <a:p>
-              <a:pPr algn="ctr"/>
-              <a:r>
-                <a:rPr lang="en-US" sz="1800" dirty="0"/>
-                <a:t>Scraping weather sites and gathering the data into a server that can store the information, and have a simple web site with good visual aid to understand the weather and the, and to be able to supply the information to the Observatory, while providing state of weather.</a:t>
-              </a:r>
-              <a:endParaRPr lang="en-IL" sz="1800" dirty="0"/>
-            </a:p>
-            <a:p>
-              <a:pPr marL="457200"/>
-              <a:r>
-                <a:rPr lang="en-IL" sz="1800" dirty="0"/>
-                <a:t> </a:t>
-              </a:r>
-            </a:p>
-          </p:txBody>
-        </p:sp>
-        <p:sp>
-          <p:nvSpPr>
-            <p:cNvPr id="36" name="חץ: למטה 9">
-              <a:extLst>
-                <a:ext uri="{FF2B5EF4-FFF2-40B4-BE49-F238E27FC236}">
-                  <a16:creationId xmlns:a16="http://schemas.microsoft.com/office/drawing/2014/main" id="{4962F475-1360-4E21-8F5D-8F05989AEF8A}"/>
-                </a:ext>
-              </a:extLst>
-            </p:cNvPr>
-            <p:cNvSpPr/>
-            <p:nvPr/>
-          </p:nvSpPr>
-          <p:spPr>
-            <a:xfrm>
-              <a:off x="3957227" y="5118776"/>
-              <a:ext cx="386173" cy="308298"/>
-            </a:xfrm>
-            <a:prstGeom prst="downArrow">
-              <a:avLst/>
-            </a:prstGeom>
-          </p:spPr>
-          <p:style>
-            <a:lnRef idx="1">
-              <a:schemeClr val="dk1"/>
-            </a:lnRef>
-            <a:fillRef idx="3">
-              <a:schemeClr val="dk1"/>
-            </a:fillRef>
-            <a:effectRef idx="2">
-              <a:schemeClr val="dk1"/>
-            </a:effectRef>
-            <a:fontRef idx="minor">
-              <a:schemeClr val="lt1"/>
-            </a:fontRef>
-          </p:style>
-          <p:txBody>
-            <a:bodyPr rtlCol="0" anchor="ctr"/>
-            <a:lstStyle/>
-            <a:p>
-              <a:pPr algn="ctr"/>
-              <a:endParaRPr lang="en-US">
-                <a:ln w="0"/>
-                <a:solidFill>
-                  <a:schemeClr val="tx1"/>
-                </a:solidFill>
-                <a:effectLst>
-                  <a:outerShdw blurRad="38100" dist="19050" dir="2700000" algn="tl" rotWithShape="0">
-                    <a:schemeClr val="dk1">
-                      <a:alpha val="40000"/>
-                    </a:schemeClr>
-                  </a:outerShdw>
-                </a:effectLst>
-              </a:endParaRPr>
-            </a:p>
-          </p:txBody>
-        </p:sp>
-      </p:grpSp>
-      <p:sp>
-        <p:nvSpPr>
-          <p:cNvPr id="42" name="מלבן: פינות מעוגלות 7">
-            <a:extLst>
-              <a:ext uri="{FF2B5EF4-FFF2-40B4-BE49-F238E27FC236}">
-                <a16:creationId xmlns:a16="http://schemas.microsoft.com/office/drawing/2014/main" id="{32557161-F636-45C0-BEDB-C2A071C82711}"/>
-              </a:ext>
-            </a:extLst>
-          </p:cNvPr>
-          <p:cNvSpPr/>
-          <p:nvPr/>
-        </p:nvSpPr>
-        <p:spPr>
-          <a:xfrm>
-            <a:off x="425666" y="6962778"/>
-            <a:ext cx="7492365" cy="1088406"/>
-          </a:xfrm>
-          <a:prstGeom prst="roundRect">
-            <a:avLst/>
-          </a:prstGeom>
-          <a:gradFill flip="none" rotWithShape="1">
-            <a:gsLst>
-              <a:gs pos="0">
-                <a:schemeClr val="accent4">
-                  <a:lumMod val="67000"/>
-                </a:schemeClr>
-              </a:gs>
-              <a:gs pos="48000">
-                <a:schemeClr val="accent4">
-                  <a:lumMod val="97000"/>
-                  <a:lumOff val="3000"/>
-                </a:schemeClr>
-              </a:gs>
-              <a:gs pos="100000">
-                <a:srgbClr val="FFFF00"/>
-              </a:gs>
-            </a:gsLst>
-            <a:lin ang="16200000" scaled="1"/>
-            <a:tileRect/>
-          </a:gradFill>
-          <a:ln/>
-        </p:spPr>
-        <p:style>
-          <a:lnRef idx="0">
-            <a:schemeClr val="accent3"/>
-          </a:lnRef>
-          <a:fillRef idx="3">
-            <a:schemeClr val="accent3"/>
-          </a:fillRef>
-          <a:effectRef idx="3">
-            <a:schemeClr val="accent3"/>
-          </a:effectRef>
-          <a:fontRef idx="minor">
-            <a:schemeClr val="lt1"/>
-          </a:fontRef>
-        </p:style>
-        <p:txBody>
-          <a:bodyPr rtlCol="0" anchor="ctr"/>
-          <a:lstStyle/>
-          <a:p>
-            <a:pPr algn="ctr"/>
-            <a:endParaRPr lang="en-US" dirty="0"/>
-          </a:p>
-        </p:txBody>
-      </p:sp>
-      <p:sp>
-        <p:nvSpPr>
-          <p:cNvPr id="45" name="TextBox 44">
-            <a:extLst>
-              <a:ext uri="{FF2B5EF4-FFF2-40B4-BE49-F238E27FC236}">
-                <a16:creationId xmlns:a16="http://schemas.microsoft.com/office/drawing/2014/main" id="{BA8B39DD-757A-4C40-9229-B7B2134211CF}"/>
-              </a:ext>
-            </a:extLst>
-          </p:cNvPr>
-          <p:cNvSpPr txBox="1"/>
-          <p:nvPr/>
-        </p:nvSpPr>
-        <p:spPr>
-          <a:xfrm>
-            <a:off x="381994" y="6896783"/>
-            <a:ext cx="7536037" cy="1477328"/>
-          </a:xfrm>
-          <a:prstGeom prst="rect">
-            <a:avLst/>
-          </a:prstGeom>
-          <a:noFill/>
-        </p:spPr>
-        <p:txBody>
-          <a:bodyPr wrap="square">
-            <a:spAutoFit/>
-          </a:bodyPr>
-          <a:lstStyle/>
-          <a:p>
-            <a:pPr algn="ctr"/>
-            <a:r>
-              <a:rPr lang="en-US" sz="1800" b="1" dirty="0">
-                <a:solidFill>
-                  <a:schemeClr val="tx1"/>
-                </a:solidFill>
-                <a:effectLst>
-                  <a:outerShdw blurRad="38100" dist="38100" dir="2700000" algn="tl">
-                    <a:srgbClr val="000000">
-                      <a:alpha val="43137"/>
-                    </a:srgbClr>
-                  </a:outerShdw>
-                </a:effectLst>
-              </a:rPr>
-              <a:t>Selected tools and algorithms</a:t>
-            </a:r>
-            <a:br>
-              <a:rPr lang="en-US" sz="1800" u="sng" dirty="0"/>
-            </a:br>
-            <a:r>
-              <a:rPr lang="en-US" sz="1800" u="sng" dirty="0">
-                <a:solidFill>
-                  <a:schemeClr val="tx1"/>
-                </a:solidFill>
-              </a:rPr>
-              <a:t>server for scraping and storing data:</a:t>
-            </a:r>
-            <a:r>
-              <a:rPr lang="en-US" sz="1800" dirty="0">
-                <a:solidFill>
-                  <a:schemeClr val="tx1"/>
-                </a:solidFill>
-              </a:rPr>
-              <a:t> Python, Django, HTML, CSS, JS , Cron-job</a:t>
-            </a:r>
-          </a:p>
-          <a:p>
-            <a:pPr algn="ctr"/>
-            <a:r>
-              <a:rPr lang="en-US" sz="1800" u="sng" dirty="0">
-                <a:solidFill>
-                  <a:schemeClr val="tx1"/>
-                </a:solidFill>
-              </a:rPr>
-              <a:t>Decision making for the state of weather:</a:t>
-            </a:r>
-            <a:r>
-              <a:rPr lang="en-US" sz="1800" dirty="0">
-                <a:solidFill>
-                  <a:schemeClr val="tx1"/>
-                </a:solidFill>
-              </a:rPr>
-              <a:t> Python Library for Business-rules</a:t>
-            </a:r>
-          </a:p>
-          <a:p>
-            <a:pPr algn="ctr"/>
-            <a:r>
-              <a:rPr lang="en-US" sz="1800" u="sng" dirty="0">
-                <a:solidFill>
-                  <a:schemeClr val="tx1"/>
-                </a:solidFill>
-              </a:rPr>
-              <a:t>The algorithms:</a:t>
-            </a:r>
-            <a:r>
-              <a:rPr lang="en-US" sz="1800" dirty="0">
-                <a:solidFill>
-                  <a:schemeClr val="tx1"/>
-                </a:solidFill>
-              </a:rPr>
-              <a:t> Adjustable from the internet site provided by Django</a:t>
-            </a:r>
-          </a:p>
-          <a:p>
-            <a:pPr algn="ctr"/>
-            <a:endParaRPr lang="en-US" dirty="0"/>
           </a:p>
         </p:txBody>
       </p:sp>
@@ -4306,7 +3635,7 @@
           <p:nvPr/>
         </p:nvPicPr>
         <p:blipFill>
-          <a:blip r:embed="rId5">
+          <a:blip r:embed="rId4">
             <a:extLst>
               <a:ext uri="{28A0092B-C50C-407E-A947-70E740481C1C}">
                 <a14:useLocalDpi xmlns:a14="http://schemas.microsoft.com/office/drawing/2010/main" val="0"/>
@@ -4319,7 +3648,7 @@
         </p:blipFill>
         <p:spPr>
           <a:xfrm>
-            <a:off x="3129190" y="10860258"/>
+            <a:off x="3066126" y="10891790"/>
             <a:ext cx="1046569" cy="1332148"/>
           </a:xfrm>
           <a:prstGeom prst="rect">
@@ -4342,7 +3671,7 @@
           <p:nvPr/>
         </p:nvPicPr>
         <p:blipFill>
-          <a:blip r:embed="rId5">
+          <a:blip r:embed="rId4">
             <a:extLst>
               <a:ext uri="{28A0092B-C50C-407E-A947-70E740481C1C}">
                 <a14:useLocalDpi xmlns:a14="http://schemas.microsoft.com/office/drawing/2010/main" val="0"/>
@@ -4355,7 +3684,7 @@
         </p:blipFill>
         <p:spPr>
           <a:xfrm>
-            <a:off x="4652085" y="10881408"/>
+            <a:off x="4792895" y="10884494"/>
             <a:ext cx="1046569" cy="1332148"/>
           </a:xfrm>
           <a:prstGeom prst="rect">
@@ -4377,7 +3706,7 @@
         </p:nvSpPr>
         <p:spPr>
           <a:xfrm>
-            <a:off x="2442862" y="914761"/>
+            <a:off x="2632054" y="914761"/>
             <a:ext cx="5640932" cy="646331"/>
           </a:xfrm>
           <a:prstGeom prst="rect">
@@ -4433,7 +3762,7 @@
           <p:nvPr/>
         </p:nvPicPr>
         <p:blipFill>
-          <a:blip r:embed="rId6">
+          <a:blip r:embed="rId5">
             <a:extLst>
               <a:ext uri="{28A0092B-C50C-407E-A947-70E740481C1C}">
                 <a14:useLocalDpi xmlns:a14="http://schemas.microsoft.com/office/drawing/2010/main" val="0"/>
@@ -4448,7 +3777,7 @@
         <p:spPr bwMode="auto">
           <a:xfrm>
             <a:off x="34093" y="24590"/>
-            <a:ext cx="1998683" cy="1544217"/>
+            <a:ext cx="1998683" cy="1505425"/>
           </a:xfrm>
           <a:prstGeom prst="rect">
             <a:avLst/>
@@ -4463,6 +3792,554 @@
               </a14:hiddenFill>
             </a:ext>
           </a:extLst>
+        </p:spPr>
+      </p:pic>
+      <p:pic>
+        <p:nvPicPr>
+          <p:cNvPr id="12" name="Picture 11" descr="Graphical user interface&#10;&#10;Description automatically generated">
+            <a:extLst>
+              <a:ext uri="{FF2B5EF4-FFF2-40B4-BE49-F238E27FC236}">
+                <a16:creationId xmlns:a16="http://schemas.microsoft.com/office/drawing/2014/main" id="{01D19CB5-0FA6-4C17-BD2D-6FFB4FC1EC8B}"/>
+              </a:ext>
+            </a:extLst>
+          </p:cNvPr>
+          <p:cNvPicPr>
+            <a:picLocks noChangeAspect="1"/>
+          </p:cNvPicPr>
+          <p:nvPr/>
+        </p:nvPicPr>
+        <p:blipFill>
+          <a:blip r:embed="rId6">
+            <a:extLst>
+              <a:ext uri="{28A0092B-C50C-407E-A947-70E740481C1C}">
+                <a14:useLocalDpi xmlns:a14="http://schemas.microsoft.com/office/drawing/2010/main" val="0"/>
+              </a:ext>
+            </a:extLst>
+          </a:blip>
+          <a:stretch>
+            <a:fillRect/>
+          </a:stretch>
+        </p:blipFill>
+        <p:spPr>
+          <a:xfrm>
+            <a:off x="673613" y="8934132"/>
+            <a:ext cx="2362052" cy="1725915"/>
+          </a:xfrm>
+          <a:prstGeom prst="rect">
+            <a:avLst/>
+          </a:prstGeom>
+        </p:spPr>
+      </p:pic>
+      <p:sp>
+        <p:nvSpPr>
+          <p:cNvPr id="41" name="מלבן: פינות מעוגלות 7">
+            <a:extLst>
+              <a:ext uri="{FF2B5EF4-FFF2-40B4-BE49-F238E27FC236}">
+                <a16:creationId xmlns:a16="http://schemas.microsoft.com/office/drawing/2014/main" id="{17831487-8750-4BDC-A704-B826E9EB923D}"/>
+              </a:ext>
+            </a:extLst>
+          </p:cNvPr>
+          <p:cNvSpPr/>
+          <p:nvPr/>
+        </p:nvSpPr>
+        <p:spPr>
+          <a:xfrm>
+            <a:off x="614858" y="3342099"/>
+            <a:ext cx="7492365" cy="1336135"/>
+          </a:xfrm>
+          <a:prstGeom prst="roundRect">
+            <a:avLst/>
+          </a:prstGeom>
+          <a:gradFill flip="none" rotWithShape="1">
+            <a:gsLst>
+              <a:gs pos="0">
+                <a:srgbClr val="EAAE35"/>
+              </a:gs>
+              <a:gs pos="23000">
+                <a:schemeClr val="accent4">
+                  <a:lumMod val="60000"/>
+                  <a:lumOff val="40000"/>
+                </a:schemeClr>
+              </a:gs>
+              <a:gs pos="75000">
+                <a:schemeClr val="accent4">
+                  <a:lumMod val="20000"/>
+                  <a:lumOff val="80000"/>
+                </a:schemeClr>
+              </a:gs>
+            </a:gsLst>
+            <a:lin ang="16200000" scaled="1"/>
+            <a:tileRect/>
+          </a:gradFill>
+          <a:ln/>
+        </p:spPr>
+        <p:style>
+          <a:lnRef idx="0">
+            <a:schemeClr val="accent3"/>
+          </a:lnRef>
+          <a:fillRef idx="3">
+            <a:schemeClr val="accent3"/>
+          </a:fillRef>
+          <a:effectRef idx="3">
+            <a:schemeClr val="accent3"/>
+          </a:effectRef>
+          <a:fontRef idx="minor">
+            <a:schemeClr val="lt1"/>
+          </a:fontRef>
+        </p:style>
+        <p:txBody>
+          <a:bodyPr rtlCol="0" anchor="ctr"/>
+          <a:lstStyle/>
+          <a:p>
+            <a:pPr algn="ctr"/>
+            <a:endParaRPr lang="en-US"/>
+          </a:p>
+        </p:txBody>
+      </p:sp>
+      <p:sp>
+        <p:nvSpPr>
+          <p:cNvPr id="43" name="תיבת טקסט 8">
+            <a:extLst>
+              <a:ext uri="{FF2B5EF4-FFF2-40B4-BE49-F238E27FC236}">
+                <a16:creationId xmlns:a16="http://schemas.microsoft.com/office/drawing/2014/main" id="{F5532F72-8155-476E-B6CE-FCB0C417B47A}"/>
+              </a:ext>
+            </a:extLst>
+          </p:cNvPr>
+          <p:cNvSpPr txBox="1"/>
+          <p:nvPr/>
+        </p:nvSpPr>
+        <p:spPr>
+          <a:xfrm>
+            <a:off x="745489" y="3383593"/>
+            <a:ext cx="7190949" cy="1477328"/>
+          </a:xfrm>
+          <a:prstGeom prst="rect">
+            <a:avLst/>
+          </a:prstGeom>
+          <a:noFill/>
+        </p:spPr>
+        <p:txBody>
+          <a:bodyPr wrap="square" rtlCol="0">
+            <a:spAutoFit/>
+          </a:bodyPr>
+          <a:lstStyle/>
+          <a:p>
+            <a:pPr algn="ctr"/>
+            <a:r>
+              <a:rPr lang="en-US" b="1" dirty="0">
+                <a:ln w="0"/>
+                <a:effectLst>
+                  <a:outerShdw blurRad="38100" dist="19050" dir="2700000" algn="tl" rotWithShape="0">
+                    <a:schemeClr val="dk1">
+                      <a:alpha val="40000"/>
+                    </a:schemeClr>
+                  </a:outerShdw>
+                </a:effectLst>
+              </a:rPr>
+              <a:t>Introduction</a:t>
+            </a:r>
+          </a:p>
+          <a:p>
+            <a:pPr algn="ctr"/>
+            <a:r>
+              <a:rPr lang="en-US" sz="1800" dirty="0"/>
+              <a:t>Ariel University has an Observatory, that is run nowadays manually, while wants to have a safety system that can control when the Observatory can and can not be used </a:t>
+            </a:r>
+            <a:endParaRPr lang="en-IL" sz="1800" dirty="0"/>
+          </a:p>
+          <a:p>
+            <a:pPr marL="457200"/>
+            <a:r>
+              <a:rPr lang="en-IL" sz="1800" dirty="0"/>
+              <a:t> </a:t>
+            </a:r>
+          </a:p>
+        </p:txBody>
+      </p:sp>
+      <p:sp>
+        <p:nvSpPr>
+          <p:cNvPr id="44" name="חץ: למטה 9">
+            <a:extLst>
+              <a:ext uri="{FF2B5EF4-FFF2-40B4-BE49-F238E27FC236}">
+                <a16:creationId xmlns:a16="http://schemas.microsoft.com/office/drawing/2014/main" id="{333DCBBB-2813-4030-980F-74733B98B3C1}"/>
+              </a:ext>
+            </a:extLst>
+          </p:cNvPr>
+          <p:cNvSpPr/>
+          <p:nvPr/>
+        </p:nvSpPr>
+        <p:spPr>
+          <a:xfrm>
+            <a:off x="4128196" y="4747278"/>
+            <a:ext cx="386173" cy="308298"/>
+          </a:xfrm>
+          <a:prstGeom prst="downArrow">
+            <a:avLst/>
+          </a:prstGeom>
+          <a:solidFill>
+            <a:schemeClr val="bg1">
+              <a:lumMod val="95000"/>
+            </a:schemeClr>
+          </a:solidFill>
+        </p:spPr>
+        <p:style>
+          <a:lnRef idx="1">
+            <a:schemeClr val="dk1"/>
+          </a:lnRef>
+          <a:fillRef idx="3">
+            <a:schemeClr val="dk1"/>
+          </a:fillRef>
+          <a:effectRef idx="2">
+            <a:schemeClr val="dk1"/>
+          </a:effectRef>
+          <a:fontRef idx="minor">
+            <a:schemeClr val="lt1"/>
+          </a:fontRef>
+        </p:style>
+        <p:txBody>
+          <a:bodyPr rtlCol="0" anchor="ctr"/>
+          <a:lstStyle/>
+          <a:p>
+            <a:pPr algn="ctr"/>
+            <a:endParaRPr lang="en-US">
+              <a:ln w="0"/>
+              <a:solidFill>
+                <a:schemeClr val="tx1"/>
+              </a:solidFill>
+              <a:effectLst>
+                <a:outerShdw blurRad="38100" dist="19050" dir="2700000" algn="tl" rotWithShape="0">
+                  <a:schemeClr val="dk1">
+                    <a:alpha val="40000"/>
+                  </a:schemeClr>
+                </a:outerShdw>
+              </a:effectLst>
+            </a:endParaRPr>
+          </a:p>
+        </p:txBody>
+      </p:sp>
+      <p:sp>
+        <p:nvSpPr>
+          <p:cNvPr id="46" name="מלבן: פינות מעוגלות 7">
+            <a:extLst>
+              <a:ext uri="{FF2B5EF4-FFF2-40B4-BE49-F238E27FC236}">
+                <a16:creationId xmlns:a16="http://schemas.microsoft.com/office/drawing/2014/main" id="{A6719EEF-CE09-4072-8FF0-925725D68E3E}"/>
+              </a:ext>
+            </a:extLst>
+          </p:cNvPr>
+          <p:cNvSpPr/>
+          <p:nvPr/>
+        </p:nvSpPr>
+        <p:spPr>
+          <a:xfrm>
+            <a:off x="646979" y="5152544"/>
+            <a:ext cx="7492365" cy="1336135"/>
+          </a:xfrm>
+          <a:prstGeom prst="roundRect">
+            <a:avLst/>
+          </a:prstGeom>
+          <a:gradFill flip="none" rotWithShape="1">
+            <a:gsLst>
+              <a:gs pos="0">
+                <a:srgbClr val="EAAE35"/>
+              </a:gs>
+              <a:gs pos="23000">
+                <a:schemeClr val="accent4">
+                  <a:lumMod val="60000"/>
+                  <a:lumOff val="40000"/>
+                </a:schemeClr>
+              </a:gs>
+              <a:gs pos="75000">
+                <a:schemeClr val="accent4">
+                  <a:lumMod val="20000"/>
+                  <a:lumOff val="80000"/>
+                </a:schemeClr>
+              </a:gs>
+            </a:gsLst>
+            <a:lin ang="16200000" scaled="1"/>
+            <a:tileRect/>
+          </a:gradFill>
+          <a:ln/>
+        </p:spPr>
+        <p:style>
+          <a:lnRef idx="0">
+            <a:schemeClr val="accent3"/>
+          </a:lnRef>
+          <a:fillRef idx="3">
+            <a:schemeClr val="accent3"/>
+          </a:fillRef>
+          <a:effectRef idx="3">
+            <a:schemeClr val="accent3"/>
+          </a:effectRef>
+          <a:fontRef idx="minor">
+            <a:schemeClr val="lt1"/>
+          </a:fontRef>
+        </p:style>
+        <p:txBody>
+          <a:bodyPr rtlCol="0" anchor="ctr"/>
+          <a:lstStyle/>
+          <a:p>
+            <a:pPr algn="ctr"/>
+            <a:endParaRPr lang="en-US"/>
+          </a:p>
+        </p:txBody>
+      </p:sp>
+      <p:sp>
+        <p:nvSpPr>
+          <p:cNvPr id="47" name="תיבת טקסט 8">
+            <a:extLst>
+              <a:ext uri="{FF2B5EF4-FFF2-40B4-BE49-F238E27FC236}">
+                <a16:creationId xmlns:a16="http://schemas.microsoft.com/office/drawing/2014/main" id="{1A8AE7DA-A950-4BD7-9B9D-894C277B260C}"/>
+              </a:ext>
+            </a:extLst>
+          </p:cNvPr>
+          <p:cNvSpPr txBox="1"/>
+          <p:nvPr/>
+        </p:nvSpPr>
+        <p:spPr>
+          <a:xfrm>
+            <a:off x="698191" y="5056271"/>
+            <a:ext cx="7190949" cy="1477328"/>
+          </a:xfrm>
+          <a:prstGeom prst="rect">
+            <a:avLst/>
+          </a:prstGeom>
+          <a:noFill/>
+        </p:spPr>
+        <p:txBody>
+          <a:bodyPr wrap="square" rtlCol="0">
+            <a:spAutoFit/>
+          </a:bodyPr>
+          <a:lstStyle/>
+          <a:p>
+            <a:pPr algn="ctr"/>
+            <a:r>
+              <a:rPr lang="en-US" b="1" dirty="0">
+                <a:ln w="0"/>
+                <a:effectLst>
+                  <a:outerShdw blurRad="38100" dist="19050" dir="2700000" algn="tl" rotWithShape="0">
+                    <a:schemeClr val="dk1">
+                      <a:alpha val="40000"/>
+                    </a:schemeClr>
+                  </a:outerShdw>
+                </a:effectLst>
+              </a:rPr>
+              <a:t>Methods</a:t>
+            </a:r>
+          </a:p>
+          <a:p>
+            <a:pPr algn="ctr"/>
+            <a:r>
+              <a:rPr lang="en-US" sz="1800" dirty="0"/>
+              <a:t>Scraping weather sites and gathering the data into a server that can store the information, and have a simple web site with good visual aid to understand the weather and the, and to be able to supply the information to the Observatory, while providing state of weather.</a:t>
+            </a:r>
+            <a:endParaRPr lang="en-IL" sz="1800" dirty="0"/>
+          </a:p>
+        </p:txBody>
+      </p:sp>
+      <p:sp>
+        <p:nvSpPr>
+          <p:cNvPr id="49" name="מלבן: פינות מעוגלות 7">
+            <a:extLst>
+              <a:ext uri="{FF2B5EF4-FFF2-40B4-BE49-F238E27FC236}">
+                <a16:creationId xmlns:a16="http://schemas.microsoft.com/office/drawing/2014/main" id="{A9F022E6-7A5D-45FA-BE0F-2E2EE0C56770}"/>
+              </a:ext>
+            </a:extLst>
+          </p:cNvPr>
+          <p:cNvSpPr/>
+          <p:nvPr/>
+        </p:nvSpPr>
+        <p:spPr>
+          <a:xfrm>
+            <a:off x="593322" y="6885718"/>
+            <a:ext cx="7492365" cy="1336135"/>
+          </a:xfrm>
+          <a:prstGeom prst="roundRect">
+            <a:avLst/>
+          </a:prstGeom>
+          <a:gradFill flip="none" rotWithShape="1">
+            <a:gsLst>
+              <a:gs pos="0">
+                <a:srgbClr val="EAAE35"/>
+              </a:gs>
+              <a:gs pos="23000">
+                <a:schemeClr val="accent4">
+                  <a:lumMod val="60000"/>
+                  <a:lumOff val="40000"/>
+                </a:schemeClr>
+              </a:gs>
+              <a:gs pos="75000">
+                <a:schemeClr val="accent4">
+                  <a:lumMod val="20000"/>
+                  <a:lumOff val="80000"/>
+                </a:schemeClr>
+              </a:gs>
+            </a:gsLst>
+            <a:lin ang="16200000" scaled="1"/>
+            <a:tileRect/>
+          </a:gradFill>
+          <a:ln/>
+        </p:spPr>
+        <p:style>
+          <a:lnRef idx="0">
+            <a:schemeClr val="accent3"/>
+          </a:lnRef>
+          <a:fillRef idx="3">
+            <a:schemeClr val="accent3"/>
+          </a:fillRef>
+          <a:effectRef idx="3">
+            <a:schemeClr val="accent3"/>
+          </a:effectRef>
+          <a:fontRef idx="minor">
+            <a:schemeClr val="lt1"/>
+          </a:fontRef>
+        </p:style>
+        <p:txBody>
+          <a:bodyPr rtlCol="0" anchor="ctr"/>
+          <a:lstStyle/>
+          <a:p>
+            <a:pPr algn="ctr"/>
+            <a:endParaRPr lang="en-US"/>
+          </a:p>
+        </p:txBody>
+      </p:sp>
+      <p:sp>
+        <p:nvSpPr>
+          <p:cNvPr id="50" name="TextBox 49">
+            <a:extLst>
+              <a:ext uri="{FF2B5EF4-FFF2-40B4-BE49-F238E27FC236}">
+                <a16:creationId xmlns:a16="http://schemas.microsoft.com/office/drawing/2014/main" id="{C90AAB8E-377A-4484-8002-F6D1F1101401}"/>
+              </a:ext>
+            </a:extLst>
+          </p:cNvPr>
+          <p:cNvSpPr txBox="1"/>
+          <p:nvPr/>
+        </p:nvSpPr>
+        <p:spPr>
+          <a:xfrm>
+            <a:off x="565400" y="6930638"/>
+            <a:ext cx="7536037" cy="1200329"/>
+          </a:xfrm>
+          <a:prstGeom prst="rect">
+            <a:avLst/>
+          </a:prstGeom>
+          <a:noFill/>
+        </p:spPr>
+        <p:txBody>
+          <a:bodyPr wrap="square">
+            <a:spAutoFit/>
+          </a:bodyPr>
+          <a:lstStyle/>
+          <a:p>
+            <a:pPr algn="ctr"/>
+            <a:r>
+              <a:rPr lang="en-US" sz="1800" b="1" dirty="0">
+                <a:solidFill>
+                  <a:schemeClr val="tx1"/>
+                </a:solidFill>
+                <a:effectLst>
+                  <a:outerShdw blurRad="38100" dist="38100" dir="2700000" algn="tl">
+                    <a:srgbClr val="000000">
+                      <a:alpha val="43137"/>
+                    </a:srgbClr>
+                  </a:outerShdw>
+                </a:effectLst>
+              </a:rPr>
+              <a:t>Selected tools and algorithms</a:t>
+            </a:r>
+            <a:br>
+              <a:rPr lang="en-US" sz="1800" u="sng" dirty="0"/>
+            </a:br>
+            <a:r>
+              <a:rPr lang="en-US" sz="1800" u="sng" dirty="0">
+                <a:solidFill>
+                  <a:schemeClr val="tx1"/>
+                </a:solidFill>
+              </a:rPr>
+              <a:t>server for scraping and storing data:</a:t>
+            </a:r>
+            <a:r>
+              <a:rPr lang="en-US" sz="1800" dirty="0">
+                <a:solidFill>
+                  <a:schemeClr val="tx1"/>
+                </a:solidFill>
+              </a:rPr>
+              <a:t> Python, Django, HTML, CSS, JS , Cron-job</a:t>
+            </a:r>
+          </a:p>
+          <a:p>
+            <a:pPr algn="ctr"/>
+            <a:r>
+              <a:rPr lang="en-US" sz="1800" u="sng" dirty="0">
+                <a:solidFill>
+                  <a:schemeClr val="tx1"/>
+                </a:solidFill>
+              </a:rPr>
+              <a:t>Decision making for the state of weather:</a:t>
+            </a:r>
+            <a:r>
+              <a:rPr lang="en-US" sz="1800" dirty="0">
+                <a:solidFill>
+                  <a:schemeClr val="tx1"/>
+                </a:solidFill>
+              </a:rPr>
+              <a:t> Python Library for Business-rules</a:t>
+            </a:r>
+          </a:p>
+          <a:p>
+            <a:pPr algn="ctr"/>
+            <a:r>
+              <a:rPr lang="en-US" sz="1800" u="sng" dirty="0">
+                <a:solidFill>
+                  <a:schemeClr val="tx1"/>
+                </a:solidFill>
+              </a:rPr>
+              <a:t>The algorithms:</a:t>
+            </a:r>
+            <a:r>
+              <a:rPr lang="en-US" sz="1800" dirty="0">
+                <a:solidFill>
+                  <a:schemeClr val="tx1"/>
+                </a:solidFill>
+              </a:rPr>
+              <a:t> Adjustable from the internet site provided by Django</a:t>
+            </a:r>
+          </a:p>
+        </p:txBody>
+      </p:sp>
+      <p:pic>
+        <p:nvPicPr>
+          <p:cNvPr id="18" name="Picture 17" descr="A close-up of a stop sign&#10;&#10;Description automatically generated with medium confidence">
+            <a:extLst>
+              <a:ext uri="{FF2B5EF4-FFF2-40B4-BE49-F238E27FC236}">
+                <a16:creationId xmlns:a16="http://schemas.microsoft.com/office/drawing/2014/main" id="{E349C3DC-413D-4CA3-8EF7-80B56635873C}"/>
+              </a:ext>
+            </a:extLst>
+          </p:cNvPr>
+          <p:cNvPicPr>
+            <a:picLocks noChangeAspect="1"/>
+          </p:cNvPicPr>
+          <p:nvPr/>
+        </p:nvPicPr>
+        <p:blipFill>
+          <a:blip r:embed="rId7">
+            <a:extLst>
+              <a:ext uri="{28A0092B-C50C-407E-A947-70E740481C1C}">
+                <a14:useLocalDpi xmlns:a14="http://schemas.microsoft.com/office/drawing/2010/main" val="0"/>
+              </a:ext>
+            </a:extLst>
+          </a:blip>
+          <a:stretch>
+            <a:fillRect/>
+          </a:stretch>
+        </p:blipFill>
+        <p:spPr>
+          <a:xfrm>
+            <a:off x="5765424" y="8844531"/>
+            <a:ext cx="2038350" cy="1933575"/>
+          </a:xfrm>
+          <a:prstGeom prst="rect">
+            <a:avLst/>
+          </a:prstGeom>
         </p:spPr>
       </p:pic>
     </p:spTree>

--- a/Poster.pptx
+++ b/Poster.pptx
@@ -3620,78 +3620,6 @@
           </a:p>
         </p:txBody>
       </p:sp>
-      <p:pic>
-        <p:nvPicPr>
-          <p:cNvPr id="48" name="Picture 47" descr="Qr code&#10;&#10;Description automatically generated">
-            <a:extLst>
-              <a:ext uri="{FF2B5EF4-FFF2-40B4-BE49-F238E27FC236}">
-                <a16:creationId xmlns:a16="http://schemas.microsoft.com/office/drawing/2014/main" id="{F0414ACD-A02C-4B81-87E4-1788A3CC3A27}"/>
-              </a:ext>
-            </a:extLst>
-          </p:cNvPr>
-          <p:cNvPicPr>
-            <a:picLocks noChangeAspect="1"/>
-          </p:cNvPicPr>
-          <p:nvPr/>
-        </p:nvPicPr>
-        <p:blipFill>
-          <a:blip r:embed="rId4">
-            <a:extLst>
-              <a:ext uri="{28A0092B-C50C-407E-A947-70E740481C1C}">
-                <a14:useLocalDpi xmlns:a14="http://schemas.microsoft.com/office/drawing/2010/main" val="0"/>
-              </a:ext>
-            </a:extLst>
-          </a:blip>
-          <a:stretch>
-            <a:fillRect/>
-          </a:stretch>
-        </p:blipFill>
-        <p:spPr>
-          <a:xfrm>
-            <a:off x="3066126" y="10891790"/>
-            <a:ext cx="1046569" cy="1332148"/>
-          </a:xfrm>
-          <a:prstGeom prst="rect">
-            <a:avLst/>
-          </a:prstGeom>
-        </p:spPr>
-      </p:pic>
-      <p:pic>
-        <p:nvPicPr>
-          <p:cNvPr id="52" name="Picture 51" descr="Qr code&#10;&#10;Description automatically generated">
-            <a:extLst>
-              <a:ext uri="{FF2B5EF4-FFF2-40B4-BE49-F238E27FC236}">
-                <a16:creationId xmlns:a16="http://schemas.microsoft.com/office/drawing/2014/main" id="{024F4D3E-B029-40B2-9911-46FD98F4AB66}"/>
-              </a:ext>
-            </a:extLst>
-          </p:cNvPr>
-          <p:cNvPicPr>
-            <a:picLocks noChangeAspect="1"/>
-          </p:cNvPicPr>
-          <p:nvPr/>
-        </p:nvPicPr>
-        <p:blipFill>
-          <a:blip r:embed="rId4">
-            <a:extLst>
-              <a:ext uri="{28A0092B-C50C-407E-A947-70E740481C1C}">
-                <a14:useLocalDpi xmlns:a14="http://schemas.microsoft.com/office/drawing/2010/main" val="0"/>
-              </a:ext>
-            </a:extLst>
-          </a:blip>
-          <a:stretch>
-            <a:fillRect/>
-          </a:stretch>
-        </p:blipFill>
-        <p:spPr>
-          <a:xfrm>
-            <a:off x="4792895" y="10884494"/>
-            <a:ext cx="1046569" cy="1332148"/>
-          </a:xfrm>
-          <a:prstGeom prst="rect">
-            <a:avLst/>
-          </a:prstGeom>
-        </p:spPr>
-      </p:pic>
       <p:sp>
         <p:nvSpPr>
           <p:cNvPr id="54" name="TextBox 53">
@@ -3762,7 +3690,7 @@
           <p:nvPr/>
         </p:nvPicPr>
         <p:blipFill>
-          <a:blip r:embed="rId5">
+          <a:blip r:embed="rId4">
             <a:extLst>
               <a:ext uri="{28A0092B-C50C-407E-A947-70E740481C1C}">
                 <a14:useLocalDpi xmlns:a14="http://schemas.microsoft.com/office/drawing/2010/main" val="0"/>
@@ -3809,7 +3737,7 @@
           <p:nvPr/>
         </p:nvPicPr>
         <p:blipFill>
-          <a:blip r:embed="rId6">
+          <a:blip r:embed="rId5">
             <a:extLst>
               <a:ext uri="{28A0092B-C50C-407E-A947-70E740481C1C}">
                 <a14:useLocalDpi xmlns:a14="http://schemas.microsoft.com/office/drawing/2010/main" val="0"/>
@@ -4321,6 +4249,42 @@
           <p:nvPr/>
         </p:nvPicPr>
         <p:blipFill>
+          <a:blip r:embed="rId6">
+            <a:extLst>
+              <a:ext uri="{28A0092B-C50C-407E-A947-70E740481C1C}">
+                <a14:useLocalDpi xmlns:a14="http://schemas.microsoft.com/office/drawing/2010/main" val="0"/>
+              </a:ext>
+            </a:extLst>
+          </a:blip>
+          <a:stretch>
+            <a:fillRect/>
+          </a:stretch>
+        </p:blipFill>
+        <p:spPr>
+          <a:xfrm>
+            <a:off x="5765424" y="8844531"/>
+            <a:ext cx="2038350" cy="1933575"/>
+          </a:xfrm>
+          <a:prstGeom prst="rect">
+            <a:avLst/>
+          </a:prstGeom>
+        </p:spPr>
+      </p:pic>
+      <p:pic>
+        <p:nvPicPr>
+          <p:cNvPr id="26" name="Picture 25">
+            <a:extLst>
+              <a:ext uri="{FF2B5EF4-FFF2-40B4-BE49-F238E27FC236}">
+                <a16:creationId xmlns:a16="http://schemas.microsoft.com/office/drawing/2014/main" id="{ECA1478B-F66A-4DA4-8F05-1D679400F764}"/>
+              </a:ext>
+            </a:extLst>
+          </p:cNvPr>
+          <p:cNvPicPr>
+            <a:picLocks noChangeAspect="1"/>
+          </p:cNvPicPr>
+          <p:nvPr/>
+        </p:nvPicPr>
+        <p:blipFill>
           <a:blip r:embed="rId7">
             <a:extLst>
               <a:ext uri="{28A0092B-C50C-407E-A947-70E740481C1C}">
@@ -4334,8 +4298,44 @@
         </p:blipFill>
         <p:spPr>
           <a:xfrm>
-            <a:off x="5765424" y="8844531"/>
-            <a:ext cx="2038350" cy="1933575"/>
+            <a:off x="2837794" y="10908074"/>
+            <a:ext cx="1129949" cy="1129949"/>
+          </a:xfrm>
+          <a:prstGeom prst="rect">
+            <a:avLst/>
+          </a:prstGeom>
+        </p:spPr>
+      </p:pic>
+      <p:pic>
+        <p:nvPicPr>
+          <p:cNvPr id="51" name="Picture 50">
+            <a:extLst>
+              <a:ext uri="{FF2B5EF4-FFF2-40B4-BE49-F238E27FC236}">
+                <a16:creationId xmlns:a16="http://schemas.microsoft.com/office/drawing/2014/main" id="{AF30D44E-04E6-46E4-BC83-0EBCBDF14E9F}"/>
+              </a:ext>
+            </a:extLst>
+          </p:cNvPr>
+          <p:cNvPicPr>
+            <a:picLocks noChangeAspect="1"/>
+          </p:cNvPicPr>
+          <p:nvPr/>
+        </p:nvPicPr>
+        <p:blipFill>
+          <a:blip r:embed="rId8">
+            <a:extLst>
+              <a:ext uri="{28A0092B-C50C-407E-A947-70E740481C1C}">
+                <a14:useLocalDpi xmlns:a14="http://schemas.microsoft.com/office/drawing/2010/main" val="0"/>
+              </a:ext>
+            </a:extLst>
+          </a:blip>
+          <a:stretch>
+            <a:fillRect/>
+          </a:stretch>
+        </p:blipFill>
+        <p:spPr>
+          <a:xfrm>
+            <a:off x="4941099" y="10926526"/>
+            <a:ext cx="1129949" cy="1129949"/>
           </a:xfrm>
           <a:prstGeom prst="rect">
             <a:avLst/>

--- a/Poster.pptx
+++ b/Poster.pptx
@@ -3173,7 +3173,7 @@
         <p:spPr>
           <a:xfrm>
             <a:off x="765567" y="1654760"/>
-            <a:ext cx="7190949" cy="1107996"/>
+            <a:ext cx="7190949" cy="861774"/>
           </a:xfrm>
           <a:prstGeom prst="rect">
             <a:avLst/>
@@ -3205,7 +3205,7 @@
             <a:pPr algn="ctr"/>
             <a:r>
               <a:rPr lang="en-US" sz="1600" dirty="0"/>
-              <a:t>To Develop an Automatic system that can predict and give planning assistance to the Ariel Observatory, to better perform star sighting while keeping all the equipment safe from the weather.</a:t>
+              <a:t>Have a Rule-Based decision making based on Outsourcing the Weather forecast to support the  ACP Program for Ariel University Observatory.</a:t>
             </a:r>
           </a:p>
         </p:txBody>
@@ -3839,7 +3839,7 @@
         <p:spPr>
           <a:xfrm>
             <a:off x="745489" y="3383593"/>
-            <a:ext cx="7190949" cy="1477328"/>
+            <a:ext cx="7190949" cy="1200329"/>
           </a:xfrm>
           <a:prstGeom prst="rect">
             <a:avLst/>
@@ -3871,7 +3871,7 @@
             <a:pPr algn="ctr"/>
             <a:r>
               <a:rPr lang="en-US" sz="1800" dirty="0"/>
-              <a:t>Ariel University has an Observatory, that is run nowadays manually, while wants to have a safety system that can control when the Observatory can and can not be used </a:t>
+              <a:t>Ariel University has an Observatory and wants to automate the safety weather system that controls the Observatory. </a:t>
             </a:r>
             <a:endParaRPr lang="en-IL" sz="1800" dirty="0"/>
           </a:p>
@@ -4025,8 +4025,8 @@
         </p:nvSpPr>
         <p:spPr>
           <a:xfrm>
-            <a:off x="698191" y="5056271"/>
-            <a:ext cx="7190949" cy="1477328"/>
+            <a:off x="777021" y="5119335"/>
+            <a:ext cx="7190949" cy="1200329"/>
           </a:xfrm>
           <a:prstGeom prst="rect">
             <a:avLst/>
@@ -4058,7 +4058,7 @@
             <a:pPr algn="ctr"/>
             <a:r>
               <a:rPr lang="en-US" sz="1800" dirty="0"/>
-              <a:t>Scraping weather sites and gathering the data into a server that can store the information, and have a simple web site with good visual aid to understand the weather and the, and to be able to supply the information to the Observatory, while providing state of weather.</a:t>
+              <a:t>Scraping Weather sites and gathering the data , then have a simple web site with good visual aid to understand the weather and use Rule-Based guidelines to determent if it is safe for the Observatory.</a:t>
             </a:r>
             <a:endParaRPr lang="en-IL" sz="1800" dirty="0"/>
           </a:p>
@@ -4191,7 +4191,7 @@
                   <a:schemeClr val="tx1"/>
                 </a:solidFill>
               </a:rPr>
-              <a:t> Python, Django, HTML, CSS, JS , Cron-job</a:t>
+              <a:t> Python, ACP, Django, HTML, CSS, JS, Celery </a:t>
             </a:r>
           </a:p>
           <a:p>

--- a/Poster.pptx
+++ b/Poster.pptx
@@ -243,7 +243,7 @@
           <a:p>
             <a:fld id="{1D7E0F8F-1D60-4E53-9BC4-AC3FDE10C5A0}" type="datetimeFigureOut">
               <a:rPr lang="en-US" smtClean="0"/>
-              <a:t>5/3/2021</a:t>
+              <a:t>5/19/2021</a:t>
             </a:fld>
             <a:endParaRPr lang="en-US"/>
           </a:p>
@@ -413,7 +413,7 @@
           <a:p>
             <a:fld id="{1D7E0F8F-1D60-4E53-9BC4-AC3FDE10C5A0}" type="datetimeFigureOut">
               <a:rPr lang="en-US" smtClean="0"/>
-              <a:t>5/3/2021</a:t>
+              <a:t>5/19/2021</a:t>
             </a:fld>
             <a:endParaRPr lang="en-US"/>
           </a:p>
@@ -593,7 +593,7 @@
           <a:p>
             <a:fld id="{1D7E0F8F-1D60-4E53-9BC4-AC3FDE10C5A0}" type="datetimeFigureOut">
               <a:rPr lang="en-US" smtClean="0"/>
-              <a:t>5/3/2021</a:t>
+              <a:t>5/19/2021</a:t>
             </a:fld>
             <a:endParaRPr lang="en-US"/>
           </a:p>
@@ -763,7 +763,7 @@
           <a:p>
             <a:fld id="{1D7E0F8F-1D60-4E53-9BC4-AC3FDE10C5A0}" type="datetimeFigureOut">
               <a:rPr lang="en-US" smtClean="0"/>
-              <a:t>5/3/2021</a:t>
+              <a:t>5/19/2021</a:t>
             </a:fld>
             <a:endParaRPr lang="en-US"/>
           </a:p>
@@ -1007,7 +1007,7 @@
           <a:p>
             <a:fld id="{1D7E0F8F-1D60-4E53-9BC4-AC3FDE10C5A0}" type="datetimeFigureOut">
               <a:rPr lang="en-US" smtClean="0"/>
-              <a:t>5/3/2021</a:t>
+              <a:t>5/19/2021</a:t>
             </a:fld>
             <a:endParaRPr lang="en-US"/>
           </a:p>
@@ -1239,7 +1239,7 @@
           <a:p>
             <a:fld id="{1D7E0F8F-1D60-4E53-9BC4-AC3FDE10C5A0}" type="datetimeFigureOut">
               <a:rPr lang="en-US" smtClean="0"/>
-              <a:t>5/3/2021</a:t>
+              <a:t>5/19/2021</a:t>
             </a:fld>
             <a:endParaRPr lang="en-US"/>
           </a:p>
@@ -1606,7 +1606,7 @@
           <a:p>
             <a:fld id="{1D7E0F8F-1D60-4E53-9BC4-AC3FDE10C5A0}" type="datetimeFigureOut">
               <a:rPr lang="en-US" smtClean="0"/>
-              <a:t>5/3/2021</a:t>
+              <a:t>5/19/2021</a:t>
             </a:fld>
             <a:endParaRPr lang="en-US"/>
           </a:p>
@@ -1724,7 +1724,7 @@
           <a:p>
             <a:fld id="{1D7E0F8F-1D60-4E53-9BC4-AC3FDE10C5A0}" type="datetimeFigureOut">
               <a:rPr lang="en-US" smtClean="0"/>
-              <a:t>5/3/2021</a:t>
+              <a:t>5/19/2021</a:t>
             </a:fld>
             <a:endParaRPr lang="en-US"/>
           </a:p>
@@ -1819,7 +1819,7 @@
           <a:p>
             <a:fld id="{1D7E0F8F-1D60-4E53-9BC4-AC3FDE10C5A0}" type="datetimeFigureOut">
               <a:rPr lang="en-US" smtClean="0"/>
-              <a:t>5/3/2021</a:t>
+              <a:t>5/19/2021</a:t>
             </a:fld>
             <a:endParaRPr lang="en-US"/>
           </a:p>
@@ -2096,7 +2096,7 @@
           <a:p>
             <a:fld id="{1D7E0F8F-1D60-4E53-9BC4-AC3FDE10C5A0}" type="datetimeFigureOut">
               <a:rPr lang="en-US" smtClean="0"/>
-              <a:t>5/3/2021</a:t>
+              <a:t>5/19/2021</a:t>
             </a:fld>
             <a:endParaRPr lang="en-US"/>
           </a:p>
@@ -2353,7 +2353,7 @@
           <a:p>
             <a:fld id="{1D7E0F8F-1D60-4E53-9BC4-AC3FDE10C5A0}" type="datetimeFigureOut">
               <a:rPr lang="en-US" smtClean="0"/>
-              <a:t>5/3/2021</a:t>
+              <a:t>5/19/2021</a:t>
             </a:fld>
             <a:endParaRPr lang="en-US"/>
           </a:p>
@@ -2566,7 +2566,7 @@
           <a:p>
             <a:fld id="{1D7E0F8F-1D60-4E53-9BC4-AC3FDE10C5A0}" type="datetimeFigureOut">
               <a:rPr lang="en-US" smtClean="0"/>
-              <a:t>5/3/2021</a:t>
+              <a:t>5/19/2021</a:t>
             </a:fld>
             <a:endParaRPr lang="en-US"/>
           </a:p>
@@ -3391,42 +3391,6 @@
           </a:p>
         </p:txBody>
       </p:sp>
-      <p:pic>
-        <p:nvPicPr>
-          <p:cNvPr id="6" name="תמונה 5">
-            <a:extLst>
-              <a:ext uri="{FF2B5EF4-FFF2-40B4-BE49-F238E27FC236}">
-                <a16:creationId xmlns:a16="http://schemas.microsoft.com/office/drawing/2014/main" id="{77E05256-B16B-4B86-AB24-D755B30F3737}"/>
-              </a:ext>
-            </a:extLst>
-          </p:cNvPr>
-          <p:cNvPicPr>
-            <a:picLocks noChangeAspect="1"/>
-          </p:cNvPicPr>
-          <p:nvPr/>
-        </p:nvPicPr>
-        <p:blipFill>
-          <a:blip r:embed="rId3">
-            <a:extLst>
-              <a:ext uri="{28A0092B-C50C-407E-A947-70E740481C1C}">
-                <a14:useLocalDpi xmlns:a14="http://schemas.microsoft.com/office/drawing/2010/main" val="0"/>
-              </a:ext>
-            </a:extLst>
-          </a:blip>
-          <a:stretch>
-            <a:fillRect/>
-          </a:stretch>
-        </p:blipFill>
-        <p:spPr>
-          <a:xfrm>
-            <a:off x="3177558" y="8901172"/>
-            <a:ext cx="2430030" cy="1820294"/>
-          </a:xfrm>
-          <a:prstGeom prst="rect">
-            <a:avLst/>
-          </a:prstGeom>
-        </p:spPr>
-      </p:pic>
       <p:sp>
         <p:nvSpPr>
           <p:cNvPr id="22" name="תיבת טקסט 21">
@@ -3690,7 +3654,7 @@
           <p:nvPr/>
         </p:nvPicPr>
         <p:blipFill>
-          <a:blip r:embed="rId4">
+          <a:blip r:embed="rId3">
             <a:extLst>
               <a:ext uri="{28A0092B-C50C-407E-A947-70E740481C1C}">
                 <a14:useLocalDpi xmlns:a14="http://schemas.microsoft.com/office/drawing/2010/main" val="0"/>
@@ -3737,7 +3701,7 @@
           <p:nvPr/>
         </p:nvPicPr>
         <p:blipFill>
-          <a:blip r:embed="rId5">
+          <a:blip r:embed="rId4">
             <a:extLst>
               <a:ext uri="{28A0092B-C50C-407E-A947-70E740481C1C}">
                 <a14:useLocalDpi xmlns:a14="http://schemas.microsoft.com/office/drawing/2010/main" val="0"/>
@@ -4249,6 +4213,42 @@
           <p:nvPr/>
         </p:nvPicPr>
         <p:blipFill>
+          <a:blip r:embed="rId5">
+            <a:extLst>
+              <a:ext uri="{28A0092B-C50C-407E-A947-70E740481C1C}">
+                <a14:useLocalDpi xmlns:a14="http://schemas.microsoft.com/office/drawing/2010/main" val="0"/>
+              </a:ext>
+            </a:extLst>
+          </a:blip>
+          <a:stretch>
+            <a:fillRect/>
+          </a:stretch>
+        </p:blipFill>
+        <p:spPr>
+          <a:xfrm>
+            <a:off x="5765424" y="8844531"/>
+            <a:ext cx="2038350" cy="1933575"/>
+          </a:xfrm>
+          <a:prstGeom prst="rect">
+            <a:avLst/>
+          </a:prstGeom>
+        </p:spPr>
+      </p:pic>
+      <p:pic>
+        <p:nvPicPr>
+          <p:cNvPr id="26" name="Picture 25">
+            <a:extLst>
+              <a:ext uri="{FF2B5EF4-FFF2-40B4-BE49-F238E27FC236}">
+                <a16:creationId xmlns:a16="http://schemas.microsoft.com/office/drawing/2014/main" id="{ECA1478B-F66A-4DA4-8F05-1D679400F764}"/>
+              </a:ext>
+            </a:extLst>
+          </p:cNvPr>
+          <p:cNvPicPr>
+            <a:picLocks noChangeAspect="1"/>
+          </p:cNvPicPr>
+          <p:nvPr/>
+        </p:nvPicPr>
+        <p:blipFill>
           <a:blip r:embed="rId6">
             <a:extLst>
               <a:ext uri="{28A0092B-C50C-407E-A947-70E740481C1C}">
@@ -4262,8 +4262,8 @@
         </p:blipFill>
         <p:spPr>
           <a:xfrm>
-            <a:off x="5765424" y="8844531"/>
-            <a:ext cx="2038350" cy="1933575"/>
+            <a:off x="2837794" y="10908074"/>
+            <a:ext cx="1129949" cy="1129949"/>
           </a:xfrm>
           <a:prstGeom prst="rect">
             <a:avLst/>
@@ -4272,10 +4272,10 @@
       </p:pic>
       <p:pic>
         <p:nvPicPr>
-          <p:cNvPr id="26" name="Picture 25">
+          <p:cNvPr id="51" name="Picture 50">
             <a:extLst>
               <a:ext uri="{FF2B5EF4-FFF2-40B4-BE49-F238E27FC236}">
-                <a16:creationId xmlns:a16="http://schemas.microsoft.com/office/drawing/2014/main" id="{ECA1478B-F66A-4DA4-8F05-1D679400F764}"/>
+                <a16:creationId xmlns:a16="http://schemas.microsoft.com/office/drawing/2014/main" id="{AF30D44E-04E6-46E4-BC83-0EBCBDF14E9F}"/>
               </a:ext>
             </a:extLst>
           </p:cNvPr>
@@ -4298,7 +4298,7 @@
         </p:blipFill>
         <p:spPr>
           <a:xfrm>
-            <a:off x="2837794" y="10908074"/>
+            <a:off x="4941099" y="10926526"/>
             <a:ext cx="1129949" cy="1129949"/>
           </a:xfrm>
           <a:prstGeom prst="rect">
@@ -4308,10 +4308,10 @@
       </p:pic>
       <p:pic>
         <p:nvPicPr>
-          <p:cNvPr id="51" name="Picture 50">
+          <p:cNvPr id="14" name="Picture 13">
             <a:extLst>
               <a:ext uri="{FF2B5EF4-FFF2-40B4-BE49-F238E27FC236}">
-                <a16:creationId xmlns:a16="http://schemas.microsoft.com/office/drawing/2014/main" id="{AF30D44E-04E6-46E4-BC83-0EBCBDF14E9F}"/>
+                <a16:creationId xmlns:a16="http://schemas.microsoft.com/office/drawing/2014/main" id="{6386C082-06D5-4E07-85A4-67C59E9277B4}"/>
               </a:ext>
             </a:extLst>
           </p:cNvPr>
@@ -4321,21 +4321,15 @@
           <p:nvPr/>
         </p:nvPicPr>
         <p:blipFill>
-          <a:blip r:embed="rId8">
-            <a:extLst>
-              <a:ext uri="{28A0092B-C50C-407E-A947-70E740481C1C}">
-                <a14:useLocalDpi xmlns:a14="http://schemas.microsoft.com/office/drawing/2010/main" val="0"/>
-              </a:ext>
-            </a:extLst>
-          </a:blip>
+          <a:blip r:embed="rId8"/>
           <a:stretch>
             <a:fillRect/>
           </a:stretch>
         </p:blipFill>
         <p:spPr>
           <a:xfrm>
-            <a:off x="4941099" y="10926526"/>
-            <a:ext cx="1129949" cy="1129949"/>
+            <a:off x="3182604" y="8902896"/>
+            <a:ext cx="2501222" cy="1757151"/>
           </a:xfrm>
           <a:prstGeom prst="rect">
             <a:avLst/>

--- a/Poster.pptx
+++ b/Poster.pptx
@@ -3173,7 +3173,7 @@
         <p:spPr>
           <a:xfrm>
             <a:off x="765567" y="1654760"/>
-            <a:ext cx="7190949" cy="861774"/>
+            <a:ext cx="7190949" cy="1200329"/>
           </a:xfrm>
           <a:prstGeom prst="rect">
             <a:avLst/>
@@ -3204,8 +3204,8 @@
           <a:p>
             <a:pPr algn="ctr"/>
             <a:r>
-              <a:rPr lang="en-US" sz="1600" dirty="0"/>
-              <a:t>Have a Rule-Based decision making based on Outsourcing the Weather forecast to support the  ACP Program for Ariel University Observatory.</a:t>
+              <a:rPr lang="en-US" dirty="0"/>
+              <a:t>Develop Weather Hazzard-Situations monitor Incorporating Flexible Rule Engine Infrastructure for Ariel Star-Observatory. Where the Architecture Supports Incorporation of any Source of Weather Forecast. </a:t>
             </a:r>
           </a:p>
         </p:txBody>
@@ -3537,7 +3537,7 @@
         </p:nvSpPr>
         <p:spPr>
           <a:xfrm>
-            <a:off x="4128196" y="6564805"/>
+            <a:off x="4128196" y="6927423"/>
             <a:ext cx="386173" cy="308298"/>
           </a:xfrm>
           <a:prstGeom prst="downArrow">
@@ -3802,8 +3802,8 @@
         </p:nvSpPr>
         <p:spPr>
           <a:xfrm>
-            <a:off x="745489" y="3383593"/>
-            <a:ext cx="7190949" cy="1200329"/>
+            <a:off x="745489" y="3257465"/>
+            <a:ext cx="7190949" cy="1477328"/>
           </a:xfrm>
           <a:prstGeom prst="rect">
             <a:avLst/>
@@ -3834,15 +3834,11 @@
           <a:p>
             <a:pPr algn="ctr"/>
             <a:r>
-              <a:rPr lang="en-US" sz="1800" dirty="0"/>
-              <a:t>Ariel University has an Observatory and wants to automate the safety weather system that controls the Observatory. </a:t>
-            </a:r>
-            <a:endParaRPr lang="en-IL" sz="1800" dirty="0"/>
-          </a:p>
-          <a:p>
-            <a:pPr marL="457200"/>
-            <a:r>
-              <a:rPr lang="en-IL" sz="1800" dirty="0"/>
+              <a:rPr lang="en-US" dirty="0"/>
+              <a:t>Ariel’s Astro-Physics research center (AGASS) has built a new Astronomy Observatory including 14” Dome, Telescope and several perifacial that needs to be protected, while from extreme weather situations including : wind above 40 KMH , Rain , Dust Storm etc.</a:t>
+            </a:r>
+            <a:r>
+              <a:rPr lang="en-IL" dirty="0"/>
               <a:t> </a:t>
             </a:r>
           </a:p>
@@ -3923,8 +3919,8 @@
         </p:nvSpPr>
         <p:spPr>
           <a:xfrm>
-            <a:off x="646979" y="5152544"/>
-            <a:ext cx="7492365" cy="1336135"/>
+            <a:off x="646979" y="5074784"/>
+            <a:ext cx="7492365" cy="1791442"/>
           </a:xfrm>
           <a:prstGeom prst="roundRect">
             <a:avLst/>
@@ -3989,8 +3985,8 @@
         </p:nvSpPr>
         <p:spPr>
           <a:xfrm>
-            <a:off x="777021" y="5119335"/>
-            <a:ext cx="7190949" cy="1200329"/>
+            <a:off x="601113" y="5072037"/>
+            <a:ext cx="7438707" cy="1754326"/>
           </a:xfrm>
           <a:prstGeom prst="rect">
             <a:avLst/>
@@ -4021,10 +4017,10 @@
           <a:p>
             <a:pPr algn="ctr"/>
             <a:r>
-              <a:rPr lang="en-US" sz="1800" dirty="0"/>
-              <a:t>Scraping Weather sites and gathering the data , then have a simple web site with good visual aid to understand the weather and use Rule-Based guidelines to determent if it is safe for the Observatory.</a:t>
-            </a:r>
-            <a:endParaRPr lang="en-IL" sz="1800" dirty="0"/>
+              <a:rPr lang="en-US" dirty="0"/>
+              <a:t>In order to close Observatory dome, which protects the equipment array, an automated system should monitor, alert and actuate closure in certain conditions, based on current weather condition. Integrative several information sources dealing with weather forecast, capturing data using REST API, Web Scrapping, and potentially reading local weather station telematics.</a:t>
+            </a:r>
+            <a:endParaRPr lang="en-IL" dirty="0"/>
           </a:p>
         </p:txBody>
       </p:sp>
@@ -4042,8 +4038,8 @@
         </p:nvSpPr>
         <p:spPr>
           <a:xfrm>
-            <a:off x="593322" y="6885718"/>
-            <a:ext cx="7492365" cy="1336135"/>
+            <a:off x="593322" y="7296918"/>
+            <a:ext cx="7492365" cy="1051063"/>
           </a:xfrm>
           <a:prstGeom prst="roundRect">
             <a:avLst/>
@@ -4108,8 +4104,8 @@
         </p:nvSpPr>
         <p:spPr>
           <a:xfrm>
-            <a:off x="565400" y="6930638"/>
-            <a:ext cx="7536037" cy="1200329"/>
+            <a:off x="565400" y="7340554"/>
+            <a:ext cx="7536037" cy="923330"/>
           </a:xfrm>
           <a:prstGeom prst="rect">
             <a:avLst/>
@@ -4136,7 +4132,34 @@
                   </a:outerShdw>
                 </a:effectLst>
               </a:rPr>
-              <a:t>Selected tools and algorithms</a:t>
+              <a:t>Selected </a:t>
+            </a:r>
+            <a:r>
+              <a:rPr lang="en-US" b="1" dirty="0">
+                <a:effectLst>
+                  <a:outerShdw blurRad="38100" dist="38100" dir="2700000" algn="tl">
+                    <a:srgbClr val="000000">
+                      <a:alpha val="43137"/>
+                    </a:srgbClr>
+                  </a:outerShdw>
+                </a:effectLst>
+              </a:rPr>
+              <a:t>T</a:t>
+            </a:r>
+            <a:r>
+              <a:rPr lang="en-US" sz="1800" b="1" dirty="0">
+                <a:solidFill>
+                  <a:schemeClr val="tx1"/>
+                </a:solidFill>
+                <a:effectLst>
+                  <a:outerShdw blurRad="38100" dist="38100" dir="2700000" algn="tl">
+                    <a:srgbClr val="000000">
+                      <a:alpha val="43137"/>
+                    </a:srgbClr>
+                  </a:outerShdw>
+                </a:effectLst>
+              </a:rPr>
+              <a:t>ools</a:t>
             </a:r>
             <a:br>
               <a:rPr lang="en-US" sz="1800" u="sng" dirty="0"/>
@@ -4147,7 +4170,7 @@
                   <a:schemeClr val="tx1"/>
                 </a:solidFill>
               </a:rPr>
-              <a:t>server for scraping and storing data:</a:t>
+              <a:t>server for scraping data:</a:t>
             </a:r>
             <a:r>
               <a:rPr lang="en-US" sz="1800" dirty="0">
@@ -4155,7 +4178,7 @@
                   <a:schemeClr val="tx1"/>
                 </a:solidFill>
               </a:rPr>
-              <a:t> Python, ACP, Django, HTML, CSS, JS, Celery </a:t>
+              <a:t> Python, ACP, Django, Celery, JS, DI-container</a:t>
             </a:r>
           </a:p>
           <a:p>
@@ -4174,26 +4197,7 @@
                   <a:schemeClr val="tx1"/>
                 </a:solidFill>
               </a:rPr>
-              <a:t> Python Library for Business-rules</a:t>
-            </a:r>
-          </a:p>
-          <a:p>
-            <a:pPr algn="ctr"/>
-            <a:r>
-              <a:rPr lang="en-US" sz="1800" u="sng" dirty="0">
-                <a:solidFill>
-                  <a:schemeClr val="tx1"/>
-                </a:solidFill>
-              </a:rPr>
-              <a:t>The algorithms:</a:t>
-            </a:r>
-            <a:r>
-              <a:rPr lang="en-US" sz="1800" dirty="0">
-                <a:solidFill>
-                  <a:schemeClr val="tx1"/>
-                </a:solidFill>
-              </a:rPr>
-              <a:t> Adjustable from the internet site provided by Django</a:t>
+              <a:t> Python Business-rules Library</a:t>
             </a:r>
           </a:p>
         </p:txBody>
